--- a/图/第二章-相关技术/第三章.pptx
+++ b/图/第二章-相关技术/第三章.pptx
@@ -7,6 +7,7 @@
   <p:sldIdLst>
     <p:sldId id="256" r:id="rId2"/>
     <p:sldId id="257" r:id="rId3"/>
+    <p:sldId id="258" r:id="rId4"/>
   </p:sldIdLst>
   <p:sldSz cx="12192000" cy="6858000"/>
   <p:notesSz cx="6858000" cy="9144000"/>
@@ -244,7 +245,7 @@
           <a:p>
             <a:fld id="{EB6C4E06-0C4A-4C1C-AF6D-3FECAFE9B927}" type="datetimeFigureOut">
               <a:rPr lang="en-US" smtClean="0"/>
-              <a:t>7/23/2017</a:t>
+              <a:t>7/29/2017</a:t>
             </a:fld>
             <a:endParaRPr lang="en-US"/>
           </a:p>
@@ -414,7 +415,7 @@
           <a:p>
             <a:fld id="{EB6C4E06-0C4A-4C1C-AF6D-3FECAFE9B927}" type="datetimeFigureOut">
               <a:rPr lang="en-US" smtClean="0"/>
-              <a:t>7/23/2017</a:t>
+              <a:t>7/29/2017</a:t>
             </a:fld>
             <a:endParaRPr lang="en-US"/>
           </a:p>
@@ -594,7 +595,7 @@
           <a:p>
             <a:fld id="{EB6C4E06-0C4A-4C1C-AF6D-3FECAFE9B927}" type="datetimeFigureOut">
               <a:rPr lang="en-US" smtClean="0"/>
-              <a:t>7/23/2017</a:t>
+              <a:t>7/29/2017</a:t>
             </a:fld>
             <a:endParaRPr lang="en-US"/>
           </a:p>
@@ -764,7 +765,7 @@
           <a:p>
             <a:fld id="{EB6C4E06-0C4A-4C1C-AF6D-3FECAFE9B927}" type="datetimeFigureOut">
               <a:rPr lang="en-US" smtClean="0"/>
-              <a:t>7/23/2017</a:t>
+              <a:t>7/29/2017</a:t>
             </a:fld>
             <a:endParaRPr lang="en-US"/>
           </a:p>
@@ -1010,7 +1011,7 @@
           <a:p>
             <a:fld id="{EB6C4E06-0C4A-4C1C-AF6D-3FECAFE9B927}" type="datetimeFigureOut">
               <a:rPr lang="en-US" smtClean="0"/>
-              <a:t>7/23/2017</a:t>
+              <a:t>7/29/2017</a:t>
             </a:fld>
             <a:endParaRPr lang="en-US"/>
           </a:p>
@@ -1242,7 +1243,7 @@
           <a:p>
             <a:fld id="{EB6C4E06-0C4A-4C1C-AF6D-3FECAFE9B927}" type="datetimeFigureOut">
               <a:rPr lang="en-US" smtClean="0"/>
-              <a:t>7/23/2017</a:t>
+              <a:t>7/29/2017</a:t>
             </a:fld>
             <a:endParaRPr lang="en-US"/>
           </a:p>
@@ -1609,7 +1610,7 @@
           <a:p>
             <a:fld id="{EB6C4E06-0C4A-4C1C-AF6D-3FECAFE9B927}" type="datetimeFigureOut">
               <a:rPr lang="en-US" smtClean="0"/>
-              <a:t>7/23/2017</a:t>
+              <a:t>7/29/2017</a:t>
             </a:fld>
             <a:endParaRPr lang="en-US"/>
           </a:p>
@@ -1727,7 +1728,7 @@
           <a:p>
             <a:fld id="{EB6C4E06-0C4A-4C1C-AF6D-3FECAFE9B927}" type="datetimeFigureOut">
               <a:rPr lang="en-US" smtClean="0"/>
-              <a:t>7/23/2017</a:t>
+              <a:t>7/29/2017</a:t>
             </a:fld>
             <a:endParaRPr lang="en-US"/>
           </a:p>
@@ -1822,7 +1823,7 @@
           <a:p>
             <a:fld id="{EB6C4E06-0C4A-4C1C-AF6D-3FECAFE9B927}" type="datetimeFigureOut">
               <a:rPr lang="en-US" smtClean="0"/>
-              <a:t>7/23/2017</a:t>
+              <a:t>7/29/2017</a:t>
             </a:fld>
             <a:endParaRPr lang="en-US"/>
           </a:p>
@@ -2099,7 +2100,7 @@
           <a:p>
             <a:fld id="{EB6C4E06-0C4A-4C1C-AF6D-3FECAFE9B927}" type="datetimeFigureOut">
               <a:rPr lang="en-US" smtClean="0"/>
-              <a:t>7/23/2017</a:t>
+              <a:t>7/29/2017</a:t>
             </a:fld>
             <a:endParaRPr lang="en-US"/>
           </a:p>
@@ -2352,7 +2353,7 @@
           <a:p>
             <a:fld id="{EB6C4E06-0C4A-4C1C-AF6D-3FECAFE9B927}" type="datetimeFigureOut">
               <a:rPr lang="en-US" smtClean="0"/>
-              <a:t>7/23/2017</a:t>
+              <a:t>7/29/2017</a:t>
             </a:fld>
             <a:endParaRPr lang="en-US"/>
           </a:p>
@@ -2565,7 +2566,7 @@
           <a:p>
             <a:fld id="{EB6C4E06-0C4A-4C1C-AF6D-3FECAFE9B927}" type="datetimeFigureOut">
               <a:rPr lang="en-US" smtClean="0"/>
-              <a:t>7/23/2017</a:t>
+              <a:t>7/29/2017</a:t>
             </a:fld>
             <a:endParaRPr lang="en-US"/>
           </a:p>
@@ -4062,6 +4063,13 @@
   <p:clrMapOvr>
     <a:masterClrMapping/>
   </p:clrMapOvr>
+  <p:timing>
+    <p:tnLst>
+      <p:par>
+        <p:cTn id="1" dur="indefinite" restart="never" nodeType="tmRoot"/>
+      </p:par>
+    </p:tnLst>
+  </p:timing>
 </p:sld>
 </file>
 
@@ -4667,10 +4675,6 @@
               <a:rPr lang="en-US" sz="1200" dirty="0"/>
               <a:t>HTTP/1.1 101 Switching Protocols</a:t>
             </a:r>
-            <a:r>
-              <a:rPr lang="en-US" sz="1200" dirty="0"/>
-              <a:t/>
-            </a:r>
             <a:br>
               <a:rPr lang="en-US" sz="1200" dirty="0"/>
             </a:br>
@@ -4700,10 +4704,6 @@
             <a:r>
               <a:rPr lang="en-US" sz="1200" dirty="0"/>
               <a:t>: Upgrade</a:t>
-            </a:r>
-            <a:r>
-              <a:rPr lang="en-US" sz="1200" dirty="0"/>
-              <a:t/>
             </a:r>
             <a:br>
               <a:rPr lang="en-US" sz="1200" dirty="0"/>
@@ -4737,6 +4737,532 @@
   <p:clrMapOvr>
     <a:masterClrMapping/>
   </p:clrMapOvr>
+  <p:timing>
+    <p:tnLst>
+      <p:par>
+        <p:cTn id="1" dur="indefinite" restart="never" nodeType="tmRoot"/>
+      </p:par>
+    </p:tnLst>
+  </p:timing>
+</p:sld>
+</file>
+
+<file path=ppt/slides/slide3.xml><?xml version="1.0" encoding="utf-8"?>
+<p:sld xmlns:a="http://schemas.openxmlformats.org/drawingml/2006/main" xmlns:r="http://schemas.openxmlformats.org/officeDocument/2006/relationships" xmlns:p="http://schemas.openxmlformats.org/presentationml/2006/main">
+  <p:cSld>
+    <p:spTree>
+      <p:nvGrpSpPr>
+        <p:cNvPr id="1" name=""/>
+        <p:cNvGrpSpPr/>
+        <p:nvPr/>
+      </p:nvGrpSpPr>
+      <p:grpSpPr>
+        <a:xfrm>
+          <a:off x="0" y="0"/>
+          <a:ext cx="0" cy="0"/>
+          <a:chOff x="0" y="0"/>
+          <a:chExt cx="0" cy="0"/>
+        </a:xfrm>
+      </p:grpSpPr>
+      <p:sp>
+        <p:nvSpPr>
+          <p:cNvPr id="6" name="矩形 5"/>
+          <p:cNvSpPr/>
+          <p:nvPr/>
+        </p:nvSpPr>
+        <p:spPr>
+          <a:xfrm>
+            <a:off x="3301340" y="2814452"/>
+            <a:ext cx="902525" cy="629392"/>
+          </a:xfrm>
+          <a:prstGeom prst="rect">
+            <a:avLst/>
+          </a:prstGeom>
+          <a:solidFill>
+            <a:schemeClr val="bg1"/>
+          </a:solidFill>
+          <a:ln>
+            <a:solidFill>
+              <a:schemeClr val="tx1"/>
+            </a:solidFill>
+          </a:ln>
+        </p:spPr>
+        <p:style>
+          <a:lnRef idx="2">
+            <a:schemeClr val="accent1">
+              <a:shade val="50000"/>
+            </a:schemeClr>
+          </a:lnRef>
+          <a:fillRef idx="1">
+            <a:schemeClr val="accent1"/>
+          </a:fillRef>
+          <a:effectRef idx="0">
+            <a:schemeClr val="accent1"/>
+          </a:effectRef>
+          <a:fontRef idx="minor">
+            <a:schemeClr val="lt1"/>
+          </a:fontRef>
+        </p:style>
+        <p:txBody>
+          <a:bodyPr rtlCol="0" anchor="ctr"/>
+          <a:lstStyle/>
+          <a:p>
+            <a:pPr algn="ctr"/>
+            <a:endParaRPr lang="zh-CN" altLang="en-US"/>
+          </a:p>
+        </p:txBody>
+      </p:sp>
+      <p:sp>
+        <p:nvSpPr>
+          <p:cNvPr id="7" name="矩形 6"/>
+          <p:cNvSpPr/>
+          <p:nvPr/>
+        </p:nvSpPr>
+        <p:spPr>
+          <a:xfrm>
+            <a:off x="4203865" y="2814452"/>
+            <a:ext cx="902525" cy="629392"/>
+          </a:xfrm>
+          <a:prstGeom prst="rect">
+            <a:avLst/>
+          </a:prstGeom>
+          <a:solidFill>
+            <a:schemeClr val="bg1"/>
+          </a:solidFill>
+          <a:ln>
+            <a:solidFill>
+              <a:schemeClr val="tx1"/>
+            </a:solidFill>
+          </a:ln>
+        </p:spPr>
+        <p:style>
+          <a:lnRef idx="2">
+            <a:schemeClr val="accent1">
+              <a:shade val="50000"/>
+            </a:schemeClr>
+          </a:lnRef>
+          <a:fillRef idx="1">
+            <a:schemeClr val="accent1"/>
+          </a:fillRef>
+          <a:effectRef idx="0">
+            <a:schemeClr val="accent1"/>
+          </a:effectRef>
+          <a:fontRef idx="minor">
+            <a:schemeClr val="lt1"/>
+          </a:fontRef>
+        </p:style>
+        <p:txBody>
+          <a:bodyPr rtlCol="0" anchor="ctr"/>
+          <a:lstStyle/>
+          <a:p>
+            <a:pPr algn="ctr"/>
+            <a:endParaRPr lang="zh-CN" altLang="en-US"/>
+          </a:p>
+        </p:txBody>
+      </p:sp>
+      <p:sp>
+        <p:nvSpPr>
+          <p:cNvPr id="8" name="矩形 7"/>
+          <p:cNvSpPr/>
+          <p:nvPr/>
+        </p:nvSpPr>
+        <p:spPr>
+          <a:xfrm>
+            <a:off x="5106390" y="2814452"/>
+            <a:ext cx="902525" cy="629392"/>
+          </a:xfrm>
+          <a:prstGeom prst="rect">
+            <a:avLst/>
+          </a:prstGeom>
+          <a:solidFill>
+            <a:schemeClr val="bg1"/>
+          </a:solidFill>
+          <a:ln>
+            <a:solidFill>
+              <a:schemeClr val="tx1"/>
+            </a:solidFill>
+          </a:ln>
+        </p:spPr>
+        <p:style>
+          <a:lnRef idx="2">
+            <a:schemeClr val="accent1">
+              <a:shade val="50000"/>
+            </a:schemeClr>
+          </a:lnRef>
+          <a:fillRef idx="1">
+            <a:schemeClr val="accent1"/>
+          </a:fillRef>
+          <a:effectRef idx="0">
+            <a:schemeClr val="accent1"/>
+          </a:effectRef>
+          <a:fontRef idx="minor">
+            <a:schemeClr val="lt1"/>
+          </a:fontRef>
+        </p:style>
+        <p:txBody>
+          <a:bodyPr rtlCol="0" anchor="ctr"/>
+          <a:lstStyle/>
+          <a:p>
+            <a:pPr algn="ctr"/>
+            <a:endParaRPr lang="zh-CN" altLang="en-US"/>
+          </a:p>
+        </p:txBody>
+      </p:sp>
+      <p:sp>
+        <p:nvSpPr>
+          <p:cNvPr id="9" name="矩形 8"/>
+          <p:cNvSpPr/>
+          <p:nvPr/>
+        </p:nvSpPr>
+        <p:spPr>
+          <a:xfrm>
+            <a:off x="6008915" y="2814452"/>
+            <a:ext cx="902525" cy="629392"/>
+          </a:xfrm>
+          <a:prstGeom prst="rect">
+            <a:avLst/>
+          </a:prstGeom>
+          <a:solidFill>
+            <a:schemeClr val="bg1"/>
+          </a:solidFill>
+          <a:ln>
+            <a:solidFill>
+              <a:schemeClr val="tx1"/>
+            </a:solidFill>
+          </a:ln>
+        </p:spPr>
+        <p:style>
+          <a:lnRef idx="2">
+            <a:schemeClr val="accent1">
+              <a:shade val="50000"/>
+            </a:schemeClr>
+          </a:lnRef>
+          <a:fillRef idx="1">
+            <a:schemeClr val="accent1"/>
+          </a:fillRef>
+          <a:effectRef idx="0">
+            <a:schemeClr val="accent1"/>
+          </a:effectRef>
+          <a:fontRef idx="minor">
+            <a:schemeClr val="lt1"/>
+          </a:fontRef>
+        </p:style>
+        <p:txBody>
+          <a:bodyPr rtlCol="0" anchor="ctr"/>
+          <a:lstStyle/>
+          <a:p>
+            <a:pPr algn="ctr"/>
+            <a:endParaRPr lang="zh-CN" altLang="en-US"/>
+          </a:p>
+        </p:txBody>
+      </p:sp>
+      <p:sp>
+        <p:nvSpPr>
+          <p:cNvPr id="10" name="矩形 9"/>
+          <p:cNvSpPr/>
+          <p:nvPr/>
+        </p:nvSpPr>
+        <p:spPr>
+          <a:xfrm>
+            <a:off x="6911440" y="2814452"/>
+            <a:ext cx="902525" cy="629392"/>
+          </a:xfrm>
+          <a:prstGeom prst="rect">
+            <a:avLst/>
+          </a:prstGeom>
+          <a:solidFill>
+            <a:schemeClr val="bg1"/>
+          </a:solidFill>
+          <a:ln>
+            <a:solidFill>
+              <a:schemeClr val="tx1"/>
+            </a:solidFill>
+          </a:ln>
+        </p:spPr>
+        <p:style>
+          <a:lnRef idx="2">
+            <a:schemeClr val="accent1">
+              <a:shade val="50000"/>
+            </a:schemeClr>
+          </a:lnRef>
+          <a:fillRef idx="1">
+            <a:schemeClr val="accent1"/>
+          </a:fillRef>
+          <a:effectRef idx="0">
+            <a:schemeClr val="accent1"/>
+          </a:effectRef>
+          <a:fontRef idx="minor">
+            <a:schemeClr val="lt1"/>
+          </a:fontRef>
+        </p:style>
+        <p:txBody>
+          <a:bodyPr rtlCol="0" anchor="ctr"/>
+          <a:lstStyle/>
+          <a:p>
+            <a:pPr algn="ctr"/>
+            <a:endParaRPr lang="zh-CN" altLang="en-US"/>
+          </a:p>
+        </p:txBody>
+      </p:sp>
+      <p:sp>
+        <p:nvSpPr>
+          <p:cNvPr id="12" name="弧形 11"/>
+          <p:cNvSpPr/>
+          <p:nvPr/>
+        </p:nvSpPr>
+        <p:spPr>
+          <a:xfrm rot="10800000" flipV="1">
+            <a:off x="1465098" y="3129148"/>
+            <a:ext cx="3672484" cy="1003948"/>
+          </a:xfrm>
+          <a:prstGeom prst="arc">
+            <a:avLst/>
+          </a:prstGeom>
+          <a:ln>
+            <a:solidFill>
+              <a:schemeClr val="tx1"/>
+            </a:solidFill>
+            <a:headEnd type="stealth" w="sm" len="med"/>
+          </a:ln>
+        </p:spPr>
+        <p:style>
+          <a:lnRef idx="1">
+            <a:schemeClr val="accent1"/>
+          </a:lnRef>
+          <a:fillRef idx="0">
+            <a:schemeClr val="accent1"/>
+          </a:fillRef>
+          <a:effectRef idx="0">
+            <a:schemeClr val="accent1"/>
+          </a:effectRef>
+          <a:fontRef idx="minor">
+            <a:schemeClr val="tx1"/>
+          </a:fontRef>
+        </p:style>
+        <p:txBody>
+          <a:bodyPr rtlCol="0" anchor="ctr"/>
+          <a:lstStyle/>
+          <a:p>
+            <a:pPr algn="ctr"/>
+            <a:endParaRPr lang="zh-CN" altLang="en-US"/>
+          </a:p>
+        </p:txBody>
+      </p:sp>
+      <p:sp>
+        <p:nvSpPr>
+          <p:cNvPr id="13" name="弧形 12"/>
+          <p:cNvSpPr/>
+          <p:nvPr/>
+        </p:nvSpPr>
+        <p:spPr>
+          <a:xfrm>
+            <a:off x="5812516" y="3129148"/>
+            <a:ext cx="4002897" cy="1217769"/>
+          </a:xfrm>
+          <a:prstGeom prst="arc">
+            <a:avLst/>
+          </a:prstGeom>
+          <a:ln>
+            <a:solidFill>
+              <a:schemeClr val="tx1"/>
+            </a:solidFill>
+            <a:tailEnd type="stealth"/>
+          </a:ln>
+        </p:spPr>
+        <p:style>
+          <a:lnRef idx="1">
+            <a:schemeClr val="accent1"/>
+          </a:lnRef>
+          <a:fillRef idx="0">
+            <a:schemeClr val="accent1"/>
+          </a:fillRef>
+          <a:effectRef idx="0">
+            <a:schemeClr val="accent1"/>
+          </a:effectRef>
+          <a:fontRef idx="minor">
+            <a:schemeClr val="tx1"/>
+          </a:fontRef>
+        </p:style>
+        <p:txBody>
+          <a:bodyPr rtlCol="0" anchor="ctr"/>
+          <a:lstStyle/>
+          <a:p>
+            <a:pPr algn="ctr"/>
+            <a:endParaRPr lang="zh-CN" altLang="en-US"/>
+          </a:p>
+        </p:txBody>
+      </p:sp>
+      <p:sp>
+        <p:nvSpPr>
+          <p:cNvPr id="15" name="弧形 14"/>
+          <p:cNvSpPr/>
+          <p:nvPr/>
+        </p:nvSpPr>
+        <p:spPr>
+          <a:xfrm rot="16673583">
+            <a:off x="4922646" y="1621163"/>
+            <a:ext cx="1717305" cy="2725753"/>
+          </a:xfrm>
+          <a:prstGeom prst="arc">
+            <a:avLst>
+              <a:gd name="adj1" fmla="val 16200000"/>
+              <a:gd name="adj2" fmla="val 4417135"/>
+            </a:avLst>
+          </a:prstGeom>
+          <a:ln>
+            <a:solidFill>
+              <a:schemeClr val="tx1"/>
+            </a:solidFill>
+            <a:headEnd type="stealth"/>
+            <a:tailEnd type="none"/>
+          </a:ln>
+        </p:spPr>
+        <p:style>
+          <a:lnRef idx="1">
+            <a:schemeClr val="accent1"/>
+          </a:lnRef>
+          <a:fillRef idx="0">
+            <a:schemeClr val="accent1"/>
+          </a:fillRef>
+          <a:effectRef idx="0">
+            <a:schemeClr val="accent1"/>
+          </a:effectRef>
+          <a:fontRef idx="minor">
+            <a:schemeClr val="tx1"/>
+          </a:fontRef>
+        </p:style>
+        <p:txBody>
+          <a:bodyPr rtlCol="0" anchor="ctr"/>
+          <a:lstStyle/>
+          <a:p>
+            <a:pPr algn="ctr"/>
+            <a:endParaRPr lang="zh-CN" altLang="en-US"/>
+          </a:p>
+        </p:txBody>
+      </p:sp>
+      <p:sp>
+        <p:nvSpPr>
+          <p:cNvPr id="16" name="文本框 15"/>
+          <p:cNvSpPr txBox="1"/>
+          <p:nvPr/>
+        </p:nvSpPr>
+        <p:spPr>
+          <a:xfrm>
+            <a:off x="1448626" y="2814452"/>
+            <a:ext cx="1726689" cy="369332"/>
+          </a:xfrm>
+          <a:prstGeom prst="rect">
+            <a:avLst/>
+          </a:prstGeom>
+          <a:noFill/>
+        </p:spPr>
+        <p:txBody>
+          <a:bodyPr wrap="square" rtlCol="0">
+            <a:spAutoFit/>
+          </a:bodyPr>
+          <a:lstStyle/>
+          <a:p>
+            <a:r>
+              <a:rPr lang="en-US" altLang="zh-CN" b="1" dirty="0" smtClean="0"/>
+              <a:t>1. </a:t>
+            </a:r>
+            <a:r>
+              <a:rPr lang="zh-CN" altLang="en-US" b="1" dirty="0" smtClean="0"/>
+              <a:t>新加入数据</a:t>
+            </a:r>
+            <a:endParaRPr lang="zh-CN" altLang="en-US" b="1" dirty="0"/>
+          </a:p>
+        </p:txBody>
+      </p:sp>
+      <p:sp>
+        <p:nvSpPr>
+          <p:cNvPr id="17" name="文本框 16"/>
+          <p:cNvSpPr txBox="1"/>
+          <p:nvPr/>
+        </p:nvSpPr>
+        <p:spPr>
+          <a:xfrm>
+            <a:off x="5145570" y="1650316"/>
+            <a:ext cx="1726689" cy="369332"/>
+          </a:xfrm>
+          <a:prstGeom prst="rect">
+            <a:avLst/>
+          </a:prstGeom>
+          <a:noFill/>
+        </p:spPr>
+        <p:txBody>
+          <a:bodyPr wrap="square" rtlCol="0">
+            <a:spAutoFit/>
+          </a:bodyPr>
+          <a:lstStyle/>
+          <a:p>
+            <a:r>
+              <a:rPr lang="en-US" altLang="zh-CN" b="1" dirty="0" smtClean="0"/>
+              <a:t>2. </a:t>
+            </a:r>
+            <a:r>
+              <a:rPr lang="zh-CN" altLang="en-US" b="1" dirty="0" smtClean="0"/>
+              <a:t>被访问数据</a:t>
+            </a:r>
+            <a:endParaRPr lang="zh-CN" altLang="en-US" b="1" dirty="0"/>
+          </a:p>
+        </p:txBody>
+      </p:sp>
+      <p:sp>
+        <p:nvSpPr>
+          <p:cNvPr id="18" name="文本框 17"/>
+          <p:cNvSpPr txBox="1"/>
+          <p:nvPr/>
+        </p:nvSpPr>
+        <p:spPr>
+          <a:xfrm>
+            <a:off x="8841222" y="2836336"/>
+            <a:ext cx="1726689" cy="369332"/>
+          </a:xfrm>
+          <a:prstGeom prst="rect">
+            <a:avLst/>
+          </a:prstGeom>
+          <a:noFill/>
+        </p:spPr>
+        <p:txBody>
+          <a:bodyPr wrap="square" rtlCol="0">
+            <a:spAutoFit/>
+          </a:bodyPr>
+          <a:lstStyle/>
+          <a:p>
+            <a:r>
+              <a:rPr lang="en-US" altLang="zh-CN" b="1" dirty="0"/>
+              <a:t>3</a:t>
+            </a:r>
+            <a:r>
+              <a:rPr lang="en-US" altLang="zh-CN" b="1" dirty="0" smtClean="0"/>
+              <a:t>. </a:t>
+            </a:r>
+            <a:r>
+              <a:rPr lang="zh-CN" altLang="en-US" b="1" dirty="0" smtClean="0"/>
+              <a:t>淘汰数据</a:t>
+            </a:r>
+            <a:endParaRPr lang="zh-CN" altLang="en-US" b="1" dirty="0"/>
+          </a:p>
+        </p:txBody>
+      </p:sp>
+    </p:spTree>
+    <p:extLst>
+      <p:ext uri="{BB962C8B-B14F-4D97-AF65-F5344CB8AC3E}">
+        <p14:creationId xmlns:p14="http://schemas.microsoft.com/office/powerpoint/2010/main" val="1929628790"/>
+      </p:ext>
+    </p:extLst>
+  </p:cSld>
+  <p:clrMapOvr>
+    <a:masterClrMapping/>
+  </p:clrMapOvr>
+  <p:timing>
+    <p:tnLst>
+      <p:par>
+        <p:cTn id="1" dur="indefinite" restart="never" nodeType="tmRoot"/>
+      </p:par>
+    </p:tnLst>
+  </p:timing>
 </p:sld>
 </file>
 

--- a/图/第二章-相关技术/第三章.pptx
+++ b/图/第二章-相关技术/第三章.pptx
@@ -245,7 +245,7 @@
           <a:p>
             <a:fld id="{EB6C4E06-0C4A-4C1C-AF6D-3FECAFE9B927}" type="datetimeFigureOut">
               <a:rPr lang="en-US" smtClean="0"/>
-              <a:t>7/29/2017</a:t>
+              <a:t>8/3/2017</a:t>
             </a:fld>
             <a:endParaRPr lang="en-US"/>
           </a:p>
@@ -415,7 +415,7 @@
           <a:p>
             <a:fld id="{EB6C4E06-0C4A-4C1C-AF6D-3FECAFE9B927}" type="datetimeFigureOut">
               <a:rPr lang="en-US" smtClean="0"/>
-              <a:t>7/29/2017</a:t>
+              <a:t>8/3/2017</a:t>
             </a:fld>
             <a:endParaRPr lang="en-US"/>
           </a:p>
@@ -595,7 +595,7 @@
           <a:p>
             <a:fld id="{EB6C4E06-0C4A-4C1C-AF6D-3FECAFE9B927}" type="datetimeFigureOut">
               <a:rPr lang="en-US" smtClean="0"/>
-              <a:t>7/29/2017</a:t>
+              <a:t>8/3/2017</a:t>
             </a:fld>
             <a:endParaRPr lang="en-US"/>
           </a:p>
@@ -765,7 +765,7 @@
           <a:p>
             <a:fld id="{EB6C4E06-0C4A-4C1C-AF6D-3FECAFE9B927}" type="datetimeFigureOut">
               <a:rPr lang="en-US" smtClean="0"/>
-              <a:t>7/29/2017</a:t>
+              <a:t>8/3/2017</a:t>
             </a:fld>
             <a:endParaRPr lang="en-US"/>
           </a:p>
@@ -1011,7 +1011,7 @@
           <a:p>
             <a:fld id="{EB6C4E06-0C4A-4C1C-AF6D-3FECAFE9B927}" type="datetimeFigureOut">
               <a:rPr lang="en-US" smtClean="0"/>
-              <a:t>7/29/2017</a:t>
+              <a:t>8/3/2017</a:t>
             </a:fld>
             <a:endParaRPr lang="en-US"/>
           </a:p>
@@ -1243,7 +1243,7 @@
           <a:p>
             <a:fld id="{EB6C4E06-0C4A-4C1C-AF6D-3FECAFE9B927}" type="datetimeFigureOut">
               <a:rPr lang="en-US" smtClean="0"/>
-              <a:t>7/29/2017</a:t>
+              <a:t>8/3/2017</a:t>
             </a:fld>
             <a:endParaRPr lang="en-US"/>
           </a:p>
@@ -1610,7 +1610,7 @@
           <a:p>
             <a:fld id="{EB6C4E06-0C4A-4C1C-AF6D-3FECAFE9B927}" type="datetimeFigureOut">
               <a:rPr lang="en-US" smtClean="0"/>
-              <a:t>7/29/2017</a:t>
+              <a:t>8/3/2017</a:t>
             </a:fld>
             <a:endParaRPr lang="en-US"/>
           </a:p>
@@ -1728,7 +1728,7 @@
           <a:p>
             <a:fld id="{EB6C4E06-0C4A-4C1C-AF6D-3FECAFE9B927}" type="datetimeFigureOut">
               <a:rPr lang="en-US" smtClean="0"/>
-              <a:t>7/29/2017</a:t>
+              <a:t>8/3/2017</a:t>
             </a:fld>
             <a:endParaRPr lang="en-US"/>
           </a:p>
@@ -1823,7 +1823,7 @@
           <a:p>
             <a:fld id="{EB6C4E06-0C4A-4C1C-AF6D-3FECAFE9B927}" type="datetimeFigureOut">
               <a:rPr lang="en-US" smtClean="0"/>
-              <a:t>7/29/2017</a:t>
+              <a:t>8/3/2017</a:t>
             </a:fld>
             <a:endParaRPr lang="en-US"/>
           </a:p>
@@ -2100,7 +2100,7 @@
           <a:p>
             <a:fld id="{EB6C4E06-0C4A-4C1C-AF6D-3FECAFE9B927}" type="datetimeFigureOut">
               <a:rPr lang="en-US" smtClean="0"/>
-              <a:t>7/29/2017</a:t>
+              <a:t>8/3/2017</a:t>
             </a:fld>
             <a:endParaRPr lang="en-US"/>
           </a:p>
@@ -2353,7 +2353,7 @@
           <a:p>
             <a:fld id="{EB6C4E06-0C4A-4C1C-AF6D-3FECAFE9B927}" type="datetimeFigureOut">
               <a:rPr lang="en-US" smtClean="0"/>
-              <a:t>7/29/2017</a:t>
+              <a:t>8/3/2017</a:t>
             </a:fld>
             <a:endParaRPr lang="en-US"/>
           </a:p>
@@ -2566,7 +2566,7 @@
           <a:p>
             <a:fld id="{EB6C4E06-0C4A-4C1C-AF6D-3FECAFE9B927}" type="datetimeFigureOut">
               <a:rPr lang="en-US" smtClean="0"/>
-              <a:t>7/29/2017</a:t>
+              <a:t>8/3/2017</a:t>
             </a:fld>
             <a:endParaRPr lang="en-US"/>
           </a:p>
@@ -2971,30 +2971,174 @@
           <a:chExt cx="0" cy="0"/>
         </a:xfrm>
       </p:grpSpPr>
+      <p:sp>
+        <p:nvSpPr>
+          <p:cNvPr id="5" name="Rectangle 4"/>
+          <p:cNvSpPr/>
+          <p:nvPr/>
+        </p:nvSpPr>
+        <p:spPr>
+          <a:xfrm>
+            <a:off x="3597760" y="3732544"/>
+            <a:ext cx="1605175" cy="1863584"/>
+          </a:xfrm>
+          <a:prstGeom prst="rect">
+            <a:avLst/>
+          </a:prstGeom>
+          <a:solidFill>
+            <a:schemeClr val="bg1"/>
+          </a:solidFill>
+          <a:ln w="25400">
+            <a:solidFill>
+              <a:schemeClr val="tx1"/>
+            </a:solidFill>
+          </a:ln>
+        </p:spPr>
+        <p:style>
+          <a:lnRef idx="2">
+            <a:schemeClr val="accent1">
+              <a:shade val="50000"/>
+            </a:schemeClr>
+          </a:lnRef>
+          <a:fillRef idx="1">
+            <a:schemeClr val="accent1"/>
+          </a:fillRef>
+          <a:effectRef idx="0">
+            <a:schemeClr val="accent1"/>
+          </a:effectRef>
+          <a:fontRef idx="minor">
+            <a:schemeClr val="lt1"/>
+          </a:fontRef>
+        </p:style>
+        <p:txBody>
+          <a:bodyPr rtlCol="0" anchor="ctr"/>
+          <a:lstStyle/>
+          <a:p>
+            <a:pPr algn="ctr"/>
+            <a:endParaRPr lang="en-US"/>
+          </a:p>
+        </p:txBody>
+      </p:sp>
+      <p:sp>
+        <p:nvSpPr>
+          <p:cNvPr id="6" name="Rectangle 5"/>
+          <p:cNvSpPr/>
+          <p:nvPr/>
+        </p:nvSpPr>
+        <p:spPr>
+          <a:xfrm>
+            <a:off x="5615222" y="1101852"/>
+            <a:ext cx="1652510" cy="2823630"/>
+          </a:xfrm>
+          <a:prstGeom prst="rect">
+            <a:avLst/>
+          </a:prstGeom>
+          <a:solidFill>
+            <a:schemeClr val="bg1"/>
+          </a:solidFill>
+          <a:ln w="25400">
+            <a:solidFill>
+              <a:schemeClr val="tx1"/>
+            </a:solidFill>
+          </a:ln>
+        </p:spPr>
+        <p:style>
+          <a:lnRef idx="2">
+            <a:schemeClr val="accent1">
+              <a:shade val="50000"/>
+            </a:schemeClr>
+          </a:lnRef>
+          <a:fillRef idx="1">
+            <a:schemeClr val="accent1"/>
+          </a:fillRef>
+          <a:effectRef idx="0">
+            <a:schemeClr val="accent1"/>
+          </a:effectRef>
+          <a:fontRef idx="minor">
+            <a:schemeClr val="lt1"/>
+          </a:fontRef>
+        </p:style>
+        <p:txBody>
+          <a:bodyPr rtlCol="0" anchor="ctr"/>
+          <a:lstStyle/>
+          <a:p>
+            <a:pPr algn="ctr"/>
+            <a:endParaRPr lang="en-US"/>
+          </a:p>
+        </p:txBody>
+      </p:sp>
+      <p:sp>
+        <p:nvSpPr>
+          <p:cNvPr id="7" name="Rectangle 6"/>
+          <p:cNvSpPr/>
+          <p:nvPr/>
+        </p:nvSpPr>
+        <p:spPr>
+          <a:xfrm>
+            <a:off x="5606861" y="4069286"/>
+            <a:ext cx="1652510" cy="1526842"/>
+          </a:xfrm>
+          <a:prstGeom prst="rect">
+            <a:avLst/>
+          </a:prstGeom>
+          <a:solidFill>
+            <a:schemeClr val="bg1"/>
+          </a:solidFill>
+          <a:ln w="25400">
+            <a:solidFill>
+              <a:schemeClr val="tx1"/>
+            </a:solidFill>
+          </a:ln>
+        </p:spPr>
+        <p:style>
+          <a:lnRef idx="2">
+            <a:schemeClr val="accent1">
+              <a:shade val="50000"/>
+            </a:schemeClr>
+          </a:lnRef>
+          <a:fillRef idx="1">
+            <a:schemeClr val="accent1"/>
+          </a:fillRef>
+          <a:effectRef idx="0">
+            <a:schemeClr val="accent1"/>
+          </a:effectRef>
+          <a:fontRef idx="minor">
+            <a:schemeClr val="lt1"/>
+          </a:fontRef>
+        </p:style>
+        <p:txBody>
+          <a:bodyPr rtlCol="0" anchor="ctr"/>
+          <a:lstStyle/>
+          <a:p>
+            <a:pPr algn="ctr"/>
+            <a:endParaRPr lang="en-US"/>
+          </a:p>
+        </p:txBody>
+      </p:sp>
       <p:grpSp>
         <p:nvGrpSpPr>
-          <p:cNvPr id="53" name="Group 52"/>
+          <p:cNvPr id="24" name="Group 23"/>
           <p:cNvGrpSpPr/>
           <p:nvPr/>
         </p:nvGrpSpPr>
         <p:grpSpPr>
           <a:xfrm>
             <a:off x="3597760" y="1101852"/>
-            <a:ext cx="3669972" cy="4494276"/>
-            <a:chOff x="2162152" y="699516"/>
-            <a:chExt cx="3669972" cy="4494276"/>
+            <a:ext cx="1605175" cy="2400300"/>
+            <a:chOff x="2212848" y="1499616"/>
+            <a:chExt cx="1581912" cy="2400300"/>
           </a:xfrm>
         </p:grpSpPr>
         <p:sp>
           <p:nvSpPr>
-            <p:cNvPr id="5" name="Rectangle 4"/>
+            <p:cNvPr id="4" name="Rectangle 3"/>
             <p:cNvSpPr/>
             <p:nvPr/>
           </p:nvSpPr>
           <p:spPr>
             <a:xfrm>
-              <a:off x="2162152" y="3330208"/>
-              <a:ext cx="1605175" cy="1863584"/>
+              <a:off x="2212848" y="1499616"/>
+              <a:ext cx="1581912" cy="2400300"/>
             </a:xfrm>
             <a:prstGeom prst="rect">
               <a:avLst/>
@@ -3002,7 +3146,7 @@
             <a:solidFill>
               <a:schemeClr val="bg1"/>
             </a:solidFill>
-            <a:ln>
+            <a:ln w="25400">
               <a:solidFill>
                 <a:schemeClr val="tx1"/>
               </a:solidFill>
@@ -3035,388 +3179,24 @@
         </p:sp>
         <p:sp>
           <p:nvSpPr>
-            <p:cNvPr id="6" name="Rectangle 5"/>
-            <p:cNvSpPr/>
-            <p:nvPr/>
-          </p:nvSpPr>
-          <p:spPr>
-            <a:xfrm>
-              <a:off x="4179614" y="699516"/>
-              <a:ext cx="1652510" cy="2823630"/>
-            </a:xfrm>
-            <a:prstGeom prst="rect">
-              <a:avLst/>
-            </a:prstGeom>
-            <a:solidFill>
-              <a:schemeClr val="bg1"/>
-            </a:solidFill>
-            <a:ln>
-              <a:solidFill>
-                <a:schemeClr val="tx1"/>
-              </a:solidFill>
-            </a:ln>
-          </p:spPr>
-          <p:style>
-            <a:lnRef idx="2">
-              <a:schemeClr val="accent1">
-                <a:shade val="50000"/>
-              </a:schemeClr>
-            </a:lnRef>
-            <a:fillRef idx="1">
-              <a:schemeClr val="accent1"/>
-            </a:fillRef>
-            <a:effectRef idx="0">
-              <a:schemeClr val="accent1"/>
-            </a:effectRef>
-            <a:fontRef idx="minor">
-              <a:schemeClr val="lt1"/>
-            </a:fontRef>
-          </p:style>
-          <p:txBody>
-            <a:bodyPr rtlCol="0" anchor="ctr"/>
-            <a:lstStyle/>
-            <a:p>
-              <a:pPr algn="ctr"/>
-              <a:endParaRPr lang="en-US"/>
-            </a:p>
-          </p:txBody>
-        </p:sp>
-        <p:sp>
-          <p:nvSpPr>
-            <p:cNvPr id="7" name="Rectangle 6"/>
-            <p:cNvSpPr/>
-            <p:nvPr/>
-          </p:nvSpPr>
-          <p:spPr>
-            <a:xfrm>
-              <a:off x="4171253" y="3666950"/>
-              <a:ext cx="1652510" cy="1526842"/>
-            </a:xfrm>
-            <a:prstGeom prst="rect">
-              <a:avLst/>
-            </a:prstGeom>
-            <a:solidFill>
-              <a:schemeClr val="bg1"/>
-            </a:solidFill>
-            <a:ln>
-              <a:solidFill>
-                <a:schemeClr val="tx1"/>
-              </a:solidFill>
-            </a:ln>
-          </p:spPr>
-          <p:style>
-            <a:lnRef idx="2">
-              <a:schemeClr val="accent1">
-                <a:shade val="50000"/>
-              </a:schemeClr>
-            </a:lnRef>
-            <a:fillRef idx="1">
-              <a:schemeClr val="accent1"/>
-            </a:fillRef>
-            <a:effectRef idx="0">
-              <a:schemeClr val="accent1"/>
-            </a:effectRef>
-            <a:fontRef idx="minor">
-              <a:schemeClr val="lt1"/>
-            </a:fontRef>
-          </p:style>
-          <p:txBody>
-            <a:bodyPr rtlCol="0" anchor="ctr"/>
-            <a:lstStyle/>
-            <a:p>
-              <a:pPr algn="ctr"/>
-              <a:endParaRPr lang="en-US"/>
-            </a:p>
-          </p:txBody>
-        </p:sp>
-        <p:grpSp>
-          <p:nvGrpSpPr>
-            <p:cNvPr id="24" name="Group 23"/>
-            <p:cNvGrpSpPr/>
-            <p:nvPr/>
-          </p:nvGrpSpPr>
-          <p:grpSpPr>
-            <a:xfrm>
-              <a:off x="2162152" y="699516"/>
-              <a:ext cx="1605175" cy="2400300"/>
-              <a:chOff x="2212848" y="1499616"/>
-              <a:chExt cx="1581912" cy="2400300"/>
-            </a:xfrm>
-          </p:grpSpPr>
-          <p:sp>
-            <p:nvSpPr>
-              <p:cNvPr id="4" name="Rectangle 3"/>
-              <p:cNvSpPr/>
-              <p:nvPr/>
-            </p:nvSpPr>
-            <p:spPr>
-              <a:xfrm>
-                <a:off x="2212848" y="1499616"/>
-                <a:ext cx="1581912" cy="2400300"/>
-              </a:xfrm>
-              <a:prstGeom prst="rect">
-                <a:avLst/>
-              </a:prstGeom>
-              <a:solidFill>
-                <a:schemeClr val="bg1"/>
-              </a:solidFill>
-              <a:ln>
-                <a:solidFill>
-                  <a:schemeClr val="tx1"/>
-                </a:solidFill>
-              </a:ln>
-            </p:spPr>
-            <p:style>
-              <a:lnRef idx="2">
-                <a:schemeClr val="accent1">
-                  <a:shade val="50000"/>
-                </a:schemeClr>
-              </a:lnRef>
-              <a:fillRef idx="1">
-                <a:schemeClr val="accent1"/>
-              </a:fillRef>
-              <a:effectRef idx="0">
-                <a:schemeClr val="accent1"/>
-              </a:effectRef>
-              <a:fontRef idx="minor">
-                <a:schemeClr val="lt1"/>
-              </a:fontRef>
-            </p:style>
-            <p:txBody>
-              <a:bodyPr rtlCol="0" anchor="ctr"/>
-              <a:lstStyle/>
-              <a:p>
-                <a:pPr algn="ctr"/>
-                <a:endParaRPr lang="en-US"/>
-              </a:p>
-            </p:txBody>
-          </p:sp>
-          <p:sp>
-            <p:nvSpPr>
-              <p:cNvPr id="8" name="TextBox 7"/>
-              <p:cNvSpPr txBox="1"/>
-              <p:nvPr/>
-            </p:nvSpPr>
-            <p:spPr>
-              <a:xfrm>
-                <a:off x="2268971" y="1530104"/>
-                <a:ext cx="1271016" cy="338554"/>
-              </a:xfrm>
-              <a:prstGeom prst="rect">
-                <a:avLst/>
-              </a:prstGeom>
-              <a:noFill/>
-            </p:spPr>
-            <p:txBody>
-              <a:bodyPr wrap="square" rtlCol="0">
-                <a:spAutoFit/>
-              </a:bodyPr>
-              <a:lstStyle/>
-              <a:p>
-                <a:r>
-                  <a:rPr lang="en-US" sz="1600" dirty="0" smtClean="0"/>
-                  <a:t>Core</a:t>
-                </a:r>
-                <a:endParaRPr lang="en-US" sz="1600" dirty="0"/>
-              </a:p>
-            </p:txBody>
-          </p:sp>
-          <p:sp>
-            <p:nvSpPr>
-              <p:cNvPr id="9" name="TextBox 8"/>
-              <p:cNvSpPr txBox="1"/>
-              <p:nvPr/>
-            </p:nvSpPr>
-            <p:spPr>
-              <a:xfrm>
-                <a:off x="2350007" y="2485841"/>
-                <a:ext cx="1307592" cy="523220"/>
-              </a:xfrm>
-              <a:prstGeom prst="rect">
-                <a:avLst/>
-              </a:prstGeom>
-              <a:noFill/>
-              <a:ln>
-                <a:solidFill>
-                  <a:schemeClr val="tx1"/>
-                </a:solidFill>
-              </a:ln>
-            </p:spPr>
-            <p:txBody>
-              <a:bodyPr wrap="square" rtlCol="0">
-                <a:spAutoFit/>
-              </a:bodyPr>
-              <a:lstStyle/>
-              <a:p>
-                <a:pPr algn="ctr"/>
-                <a:r>
-                  <a:rPr lang="en-US" altLang="zh-CN" sz="1400" dirty="0" smtClean="0"/>
-                  <a:t>SQL Command Processor</a:t>
-                </a:r>
-                <a:endParaRPr lang="en-US" sz="1400" dirty="0"/>
-              </a:p>
-            </p:txBody>
-          </p:sp>
-          <p:sp>
-            <p:nvSpPr>
-              <p:cNvPr id="10" name="TextBox 9"/>
-              <p:cNvSpPr txBox="1"/>
-              <p:nvPr/>
-            </p:nvSpPr>
-            <p:spPr>
-              <a:xfrm>
-                <a:off x="2350007" y="3224456"/>
-                <a:ext cx="1307592" cy="523220"/>
-              </a:xfrm>
-              <a:prstGeom prst="rect">
-                <a:avLst/>
-              </a:prstGeom>
-              <a:noFill/>
-              <a:ln>
-                <a:solidFill>
-                  <a:schemeClr val="tx1"/>
-                </a:solidFill>
-              </a:ln>
-            </p:spPr>
-            <p:txBody>
-              <a:bodyPr wrap="square" rtlCol="0">
-                <a:spAutoFit/>
-              </a:bodyPr>
-              <a:lstStyle/>
-              <a:p>
-                <a:pPr algn="ctr"/>
-                <a:r>
-                  <a:rPr lang="en-US" altLang="zh-CN" sz="1400" dirty="0" smtClean="0"/>
-                  <a:t>Virtual Machine</a:t>
-                </a:r>
-                <a:endParaRPr lang="en-US" sz="1400" dirty="0"/>
-              </a:p>
-            </p:txBody>
-          </p:sp>
-          <p:sp>
-            <p:nvSpPr>
-              <p:cNvPr id="15" name="TextBox 14"/>
-              <p:cNvSpPr txBox="1"/>
-              <p:nvPr/>
-            </p:nvSpPr>
-            <p:spPr>
-              <a:xfrm>
-                <a:off x="2350008" y="1955525"/>
-                <a:ext cx="1307592" cy="307777"/>
-              </a:xfrm>
-              <a:prstGeom prst="rect">
-                <a:avLst/>
-              </a:prstGeom>
-              <a:noFill/>
-              <a:ln>
-                <a:solidFill>
-                  <a:schemeClr val="tx1"/>
-                </a:solidFill>
-              </a:ln>
-            </p:spPr>
-            <p:txBody>
-              <a:bodyPr wrap="square" rtlCol="0">
-                <a:spAutoFit/>
-              </a:bodyPr>
-              <a:lstStyle/>
-              <a:p>
-                <a:pPr algn="ctr"/>
-                <a:r>
-                  <a:rPr lang="en-US" altLang="zh-CN" sz="1400" dirty="0" smtClean="0"/>
-                  <a:t>Interface</a:t>
-                </a:r>
-                <a:endParaRPr lang="en-US" sz="1400" dirty="0"/>
-              </a:p>
-            </p:txBody>
-          </p:sp>
-          <p:cxnSp>
-            <p:nvCxnSpPr>
-              <p:cNvPr id="22" name="Straight Arrow Connector 21"/>
-              <p:cNvCxnSpPr/>
-              <p:nvPr/>
-            </p:nvCxnSpPr>
-            <p:spPr>
-              <a:xfrm>
-                <a:off x="3003804" y="2263302"/>
-                <a:ext cx="0" cy="215395"/>
-              </a:xfrm>
-              <a:prstGeom prst="straightConnector1">
-                <a:avLst/>
-              </a:prstGeom>
-              <a:ln>
-                <a:solidFill>
-                  <a:schemeClr val="tx1"/>
-                </a:solidFill>
-                <a:tailEnd type="triangle"/>
-              </a:ln>
-            </p:spPr>
-            <p:style>
-              <a:lnRef idx="1">
-                <a:schemeClr val="accent1"/>
-              </a:lnRef>
-              <a:fillRef idx="0">
-                <a:schemeClr val="accent1"/>
-              </a:fillRef>
-              <a:effectRef idx="0">
-                <a:schemeClr val="accent1"/>
-              </a:effectRef>
-              <a:fontRef idx="minor">
-                <a:schemeClr val="tx1"/>
-              </a:fontRef>
-            </p:style>
-          </p:cxnSp>
-          <p:cxnSp>
-            <p:nvCxnSpPr>
-              <p:cNvPr id="23" name="Straight Arrow Connector 22"/>
-              <p:cNvCxnSpPr/>
-              <p:nvPr/>
-            </p:nvCxnSpPr>
-            <p:spPr>
-              <a:xfrm>
-                <a:off x="3003803" y="3009061"/>
-                <a:ext cx="0" cy="215395"/>
-              </a:xfrm>
-              <a:prstGeom prst="straightConnector1">
-                <a:avLst/>
-              </a:prstGeom>
-              <a:ln>
-                <a:solidFill>
-                  <a:schemeClr val="tx1"/>
-                </a:solidFill>
-                <a:tailEnd type="triangle"/>
-              </a:ln>
-            </p:spPr>
-            <p:style>
-              <a:lnRef idx="1">
-                <a:schemeClr val="accent1"/>
-              </a:lnRef>
-              <a:fillRef idx="0">
-                <a:schemeClr val="accent1"/>
-              </a:fillRef>
-              <a:effectRef idx="0">
-                <a:schemeClr val="accent1"/>
-              </a:effectRef>
-              <a:fontRef idx="minor">
-                <a:schemeClr val="tx1"/>
-              </a:fontRef>
-            </p:style>
-          </p:cxnSp>
-        </p:grpSp>
-        <p:sp>
-          <p:nvSpPr>
-            <p:cNvPr id="25" name="TextBox 24"/>
+            <p:cNvPr id="8" name="TextBox 7"/>
             <p:cNvSpPr txBox="1"/>
             <p:nvPr/>
           </p:nvSpPr>
           <p:spPr>
             <a:xfrm>
-              <a:off x="2219099" y="3368010"/>
-              <a:ext cx="1289707" cy="338554"/>
+              <a:off x="2268971" y="1530104"/>
+              <a:ext cx="1271016" cy="338554"/>
             </a:xfrm>
             <a:prstGeom prst="rect">
               <a:avLst/>
             </a:prstGeom>
             <a:noFill/>
+            <a:ln w="25400">
+              <a:solidFill>
+                <a:schemeClr val="tx1"/>
+              </a:solidFill>
+            </a:ln>
           </p:spPr>
           <p:txBody>
             <a:bodyPr wrap="square" rtlCol="0">
@@ -3426,7 +3206,7 @@
             <a:p>
               <a:r>
                 <a:rPr lang="en-US" sz="1600" dirty="0" smtClean="0"/>
-                <a:t>Backend</a:t>
+                <a:t>Core</a:t>
               </a:r>
               <a:endParaRPr lang="en-US" sz="1600" dirty="0"/>
             </a:p>
@@ -3434,20 +3214,20 @@
         </p:sp>
         <p:sp>
           <p:nvSpPr>
-            <p:cNvPr id="26" name="TextBox 25"/>
+            <p:cNvPr id="9" name="TextBox 8"/>
             <p:cNvSpPr txBox="1"/>
             <p:nvPr/>
           </p:nvSpPr>
           <p:spPr>
             <a:xfrm>
-              <a:off x="2301327" y="3722228"/>
-              <a:ext cx="1326821" cy="307777"/>
+              <a:off x="2350007" y="2485841"/>
+              <a:ext cx="1307592" cy="523220"/>
             </a:xfrm>
             <a:prstGeom prst="rect">
               <a:avLst/>
             </a:prstGeom>
             <a:noFill/>
-            <a:ln>
+            <a:ln w="25400">
               <a:solidFill>
                 <a:schemeClr val="tx1"/>
               </a:solidFill>
@@ -3462,7 +3242,7 @@
               <a:pPr algn="ctr"/>
               <a:r>
                 <a:rPr lang="en-US" altLang="zh-CN" sz="1400" dirty="0" smtClean="0"/>
-                <a:t>B-Tree</a:t>
+                <a:t>SQL Command Processor</a:t>
               </a:r>
               <a:endParaRPr lang="en-US" sz="1400" dirty="0"/>
             </a:p>
@@ -3470,20 +3250,20 @@
         </p:sp>
         <p:sp>
           <p:nvSpPr>
-            <p:cNvPr id="27" name="TextBox 26"/>
+            <p:cNvPr id="10" name="TextBox 9"/>
             <p:cNvSpPr txBox="1"/>
             <p:nvPr/>
           </p:nvSpPr>
           <p:spPr>
             <a:xfrm>
-              <a:off x="2301327" y="4244856"/>
-              <a:ext cx="1326821" cy="307777"/>
+              <a:off x="2350007" y="3224456"/>
+              <a:ext cx="1307592" cy="523220"/>
             </a:xfrm>
             <a:prstGeom prst="rect">
               <a:avLst/>
             </a:prstGeom>
             <a:noFill/>
-            <a:ln>
+            <a:ln w="25400">
               <a:solidFill>
                 <a:schemeClr val="tx1"/>
               </a:solidFill>
@@ -3498,7 +3278,7 @@
               <a:pPr algn="ctr"/>
               <a:r>
                 <a:rPr lang="en-US" altLang="zh-CN" sz="1400" dirty="0" smtClean="0"/>
-                <a:t>Pager</a:t>
+                <a:t>Virtual Machine</a:t>
               </a:r>
               <a:endParaRPr lang="en-US" sz="1400" dirty="0"/>
             </a:p>
@@ -3506,20 +3286,20 @@
         </p:sp>
         <p:sp>
           <p:nvSpPr>
-            <p:cNvPr id="28" name="TextBox 27"/>
+            <p:cNvPr id="15" name="TextBox 14"/>
             <p:cNvSpPr txBox="1"/>
             <p:nvPr/>
           </p:nvSpPr>
           <p:spPr>
             <a:xfrm>
-              <a:off x="2301327" y="4765634"/>
-              <a:ext cx="1326821" cy="307777"/>
+              <a:off x="2350008" y="1955525"/>
+              <a:ext cx="1307592" cy="307777"/>
             </a:xfrm>
             <a:prstGeom prst="rect">
               <a:avLst/>
             </a:prstGeom>
             <a:noFill/>
-            <a:ln>
+            <a:ln w="25400">
               <a:solidFill>
                 <a:schemeClr val="tx1"/>
               </a:solidFill>
@@ -3534,7 +3314,7 @@
               <a:pPr algn="ctr"/>
               <a:r>
                 <a:rPr lang="en-US" altLang="zh-CN" sz="1400" dirty="0" smtClean="0"/>
-                <a:t>OS Interface</a:t>
+                <a:t>Interface</a:t>
               </a:r>
               <a:endParaRPr lang="en-US" sz="1400" dirty="0"/>
             </a:p>
@@ -3542,19 +3322,19 @@
         </p:sp>
         <p:cxnSp>
           <p:nvCxnSpPr>
-            <p:cNvPr id="29" name="Straight Arrow Connector 28"/>
+            <p:cNvPr id="22" name="Straight Arrow Connector 21"/>
             <p:cNvCxnSpPr/>
             <p:nvPr/>
           </p:nvCxnSpPr>
           <p:spPr>
             <a:xfrm>
-              <a:off x="2963774" y="4030005"/>
+              <a:off x="3003804" y="2263302"/>
               <a:ext cx="0" cy="215395"/>
             </a:xfrm>
             <a:prstGeom prst="straightConnector1">
               <a:avLst/>
             </a:prstGeom>
-            <a:ln>
+            <a:ln w="25400">
               <a:solidFill>
                 <a:schemeClr val="tx1"/>
               </a:solidFill>
@@ -3578,459 +3358,19 @@
         </p:cxnSp>
         <p:cxnSp>
           <p:nvCxnSpPr>
-            <p:cNvPr id="30" name="Straight Arrow Connector 29"/>
+            <p:cNvPr id="23" name="Straight Arrow Connector 22"/>
             <p:cNvCxnSpPr/>
             <p:nvPr/>
           </p:nvCxnSpPr>
           <p:spPr>
             <a:xfrm>
-              <a:off x="2963774" y="4552633"/>
+              <a:off x="3003803" y="3009061"/>
               <a:ext cx="0" cy="215395"/>
             </a:xfrm>
             <a:prstGeom prst="straightConnector1">
               <a:avLst/>
             </a:prstGeom>
-            <a:ln>
-              <a:solidFill>
-                <a:schemeClr val="tx1"/>
-              </a:solidFill>
-              <a:tailEnd type="triangle"/>
-            </a:ln>
-          </p:spPr>
-          <p:style>
-            <a:lnRef idx="1">
-              <a:schemeClr val="accent1"/>
-            </a:lnRef>
-            <a:fillRef idx="0">
-              <a:schemeClr val="accent1"/>
-            </a:fillRef>
-            <a:effectRef idx="0">
-              <a:schemeClr val="accent1"/>
-            </a:effectRef>
-            <a:fontRef idx="minor">
-              <a:schemeClr val="tx1"/>
-            </a:fontRef>
-          </p:style>
-        </p:cxnSp>
-        <p:sp>
-          <p:nvSpPr>
-            <p:cNvPr id="31" name="TextBox 30"/>
-            <p:cNvSpPr txBox="1"/>
-            <p:nvPr/>
-          </p:nvSpPr>
-          <p:spPr>
-            <a:xfrm>
-              <a:off x="4215448" y="730004"/>
-              <a:ext cx="1453832" cy="338554"/>
-            </a:xfrm>
-            <a:prstGeom prst="rect">
-              <a:avLst/>
-            </a:prstGeom>
-            <a:noFill/>
-          </p:spPr>
-          <p:txBody>
-            <a:bodyPr wrap="square" rtlCol="0">
-              <a:spAutoFit/>
-            </a:bodyPr>
-            <a:lstStyle/>
-            <a:p>
-              <a:r>
-                <a:rPr lang="en-US" sz="1600" dirty="0" smtClean="0"/>
-                <a:t>SQL Compiler</a:t>
-              </a:r>
-              <a:endParaRPr lang="en-US" sz="1600" dirty="0"/>
-            </a:p>
-          </p:txBody>
-        </p:sp>
-        <p:sp>
-          <p:nvSpPr>
-            <p:cNvPr id="32" name="TextBox 31"/>
-            <p:cNvSpPr txBox="1"/>
-            <p:nvPr/>
-          </p:nvSpPr>
-          <p:spPr>
-            <a:xfrm>
-              <a:off x="4342459" y="1155425"/>
-              <a:ext cx="1326821" cy="307777"/>
-            </a:xfrm>
-            <a:prstGeom prst="rect">
-              <a:avLst/>
-            </a:prstGeom>
-            <a:noFill/>
-            <a:ln>
-              <a:solidFill>
-                <a:schemeClr val="tx1"/>
-              </a:solidFill>
-            </a:ln>
-          </p:spPr>
-          <p:txBody>
-            <a:bodyPr wrap="square" rtlCol="0">
-              <a:spAutoFit/>
-            </a:bodyPr>
-            <a:lstStyle/>
-            <a:p>
-              <a:pPr algn="ctr"/>
-              <a:r>
-                <a:rPr lang="en-US" sz="1400" dirty="0" smtClean="0"/>
-                <a:t>Tokenizer</a:t>
-              </a:r>
-              <a:endParaRPr lang="en-US" sz="1400" dirty="0"/>
-            </a:p>
-          </p:txBody>
-        </p:sp>
-        <p:sp>
-          <p:nvSpPr>
-            <p:cNvPr id="33" name="TextBox 32"/>
-            <p:cNvSpPr txBox="1"/>
-            <p:nvPr/>
-          </p:nvSpPr>
-          <p:spPr>
-            <a:xfrm>
-              <a:off x="4342459" y="1895263"/>
-              <a:ext cx="1326821" cy="307777"/>
-            </a:xfrm>
-            <a:prstGeom prst="rect">
-              <a:avLst/>
-            </a:prstGeom>
-            <a:noFill/>
-            <a:ln>
-              <a:solidFill>
-                <a:schemeClr val="tx1"/>
-              </a:solidFill>
-            </a:ln>
-          </p:spPr>
-          <p:txBody>
-            <a:bodyPr wrap="square" rtlCol="0">
-              <a:spAutoFit/>
-            </a:bodyPr>
-            <a:lstStyle/>
-            <a:p>
-              <a:pPr algn="ctr"/>
-              <a:r>
-                <a:rPr lang="en-US" sz="1400" dirty="0" smtClean="0"/>
-                <a:t>Parser</a:t>
-              </a:r>
-              <a:endParaRPr lang="en-US" sz="1400" dirty="0"/>
-            </a:p>
-          </p:txBody>
-        </p:sp>
-        <p:sp>
-          <p:nvSpPr>
-            <p:cNvPr id="34" name="TextBox 33"/>
-            <p:cNvSpPr txBox="1"/>
-            <p:nvPr/>
-          </p:nvSpPr>
-          <p:spPr>
-            <a:xfrm>
-              <a:off x="4342459" y="2635101"/>
-              <a:ext cx="1326821" cy="523220"/>
-            </a:xfrm>
-            <a:prstGeom prst="rect">
-              <a:avLst/>
-            </a:prstGeom>
-            <a:noFill/>
-            <a:ln>
-              <a:solidFill>
-                <a:schemeClr val="tx1"/>
-              </a:solidFill>
-            </a:ln>
-          </p:spPr>
-          <p:txBody>
-            <a:bodyPr wrap="square" rtlCol="0">
-              <a:spAutoFit/>
-            </a:bodyPr>
-            <a:lstStyle/>
-            <a:p>
-              <a:pPr algn="ctr"/>
-              <a:r>
-                <a:rPr lang="en-US" altLang="zh-CN" sz="1400" dirty="0" smtClean="0"/>
-                <a:t>Code</a:t>
-              </a:r>
-            </a:p>
-            <a:p>
-              <a:pPr algn="ctr"/>
-              <a:r>
-                <a:rPr lang="en-US" altLang="zh-CN" sz="1400" dirty="0" smtClean="0"/>
-                <a:t> Generator</a:t>
-              </a:r>
-              <a:endParaRPr lang="en-US" sz="1400" dirty="0"/>
-            </a:p>
-          </p:txBody>
-        </p:sp>
-        <p:cxnSp>
-          <p:nvCxnSpPr>
-            <p:cNvPr id="36" name="Straight Arrow Connector 35"/>
-            <p:cNvCxnSpPr>
-              <a:stCxn id="32" idx="2"/>
-              <a:endCxn id="33" idx="0"/>
-            </p:cNvCxnSpPr>
-            <p:nvPr/>
-          </p:nvCxnSpPr>
-          <p:spPr>
-            <a:xfrm>
-              <a:off x="5005870" y="1463202"/>
-              <a:ext cx="0" cy="432061"/>
-            </a:xfrm>
-            <a:prstGeom prst="straightConnector1">
-              <a:avLst/>
-            </a:prstGeom>
-            <a:ln>
-              <a:solidFill>
-                <a:schemeClr val="tx1"/>
-              </a:solidFill>
-              <a:tailEnd type="triangle"/>
-            </a:ln>
-          </p:spPr>
-          <p:style>
-            <a:lnRef idx="1">
-              <a:schemeClr val="accent1"/>
-            </a:lnRef>
-            <a:fillRef idx="0">
-              <a:schemeClr val="accent1"/>
-            </a:fillRef>
-            <a:effectRef idx="0">
-              <a:schemeClr val="accent1"/>
-            </a:effectRef>
-            <a:fontRef idx="minor">
-              <a:schemeClr val="tx1"/>
-            </a:fontRef>
-          </p:style>
-        </p:cxnSp>
-        <p:cxnSp>
-          <p:nvCxnSpPr>
-            <p:cNvPr id="38" name="Straight Arrow Connector 37"/>
-            <p:cNvCxnSpPr>
-              <a:stCxn id="33" idx="2"/>
-              <a:endCxn id="34" idx="0"/>
-            </p:cNvCxnSpPr>
-            <p:nvPr/>
-          </p:nvCxnSpPr>
-          <p:spPr>
-            <a:xfrm>
-              <a:off x="5005870" y="2203040"/>
-              <a:ext cx="0" cy="432061"/>
-            </a:xfrm>
-            <a:prstGeom prst="straightConnector1">
-              <a:avLst/>
-            </a:prstGeom>
-            <a:ln>
-              <a:solidFill>
-                <a:schemeClr val="tx1"/>
-              </a:solidFill>
-              <a:tailEnd type="triangle"/>
-            </a:ln>
-          </p:spPr>
-          <p:style>
-            <a:lnRef idx="1">
-              <a:schemeClr val="accent1"/>
-            </a:lnRef>
-            <a:fillRef idx="0">
-              <a:schemeClr val="accent1"/>
-            </a:fillRef>
-            <a:effectRef idx="0">
-              <a:schemeClr val="accent1"/>
-            </a:effectRef>
-            <a:fontRef idx="minor">
-              <a:schemeClr val="tx1"/>
-            </a:fontRef>
-          </p:style>
-        </p:cxnSp>
-        <p:cxnSp>
-          <p:nvCxnSpPr>
-            <p:cNvPr id="40" name="Straight Arrow Connector 39"/>
-            <p:cNvCxnSpPr>
-              <a:stCxn id="9" idx="3"/>
-            </p:cNvCxnSpPr>
-            <p:nvPr/>
-          </p:nvCxnSpPr>
-          <p:spPr>
-            <a:xfrm flipV="1">
-              <a:off x="3628149" y="1309313"/>
-              <a:ext cx="706913" cy="638038"/>
-            </a:xfrm>
-            <a:prstGeom prst="straightConnector1">
-              <a:avLst/>
-            </a:prstGeom>
-            <a:ln>
-              <a:solidFill>
-                <a:schemeClr val="tx1"/>
-              </a:solidFill>
-              <a:tailEnd type="triangle"/>
-            </a:ln>
-          </p:spPr>
-          <p:style>
-            <a:lnRef idx="1">
-              <a:schemeClr val="accent1"/>
-            </a:lnRef>
-            <a:fillRef idx="0">
-              <a:schemeClr val="accent1"/>
-            </a:fillRef>
-            <a:effectRef idx="0">
-              <a:schemeClr val="accent1"/>
-            </a:effectRef>
-            <a:fontRef idx="minor">
-              <a:schemeClr val="tx1"/>
-            </a:fontRef>
-          </p:style>
-        </p:cxnSp>
-        <p:cxnSp>
-          <p:nvCxnSpPr>
-            <p:cNvPr id="42" name="Straight Arrow Connector 41"/>
-            <p:cNvCxnSpPr>
-              <a:stCxn id="34" idx="1"/>
-              <a:endCxn id="9" idx="3"/>
-            </p:cNvCxnSpPr>
-            <p:nvPr/>
-          </p:nvCxnSpPr>
-          <p:spPr>
-            <a:xfrm flipH="1" flipV="1">
-              <a:off x="3628149" y="1947351"/>
-              <a:ext cx="714310" cy="949360"/>
-            </a:xfrm>
-            <a:prstGeom prst="straightConnector1">
-              <a:avLst/>
-            </a:prstGeom>
-            <a:ln>
-              <a:solidFill>
-                <a:schemeClr val="tx1"/>
-              </a:solidFill>
-              <a:tailEnd type="triangle"/>
-            </a:ln>
-          </p:spPr>
-          <p:style>
-            <a:lnRef idx="1">
-              <a:schemeClr val="accent1"/>
-            </a:lnRef>
-            <a:fillRef idx="0">
-              <a:schemeClr val="accent1"/>
-            </a:fillRef>
-            <a:effectRef idx="0">
-              <a:schemeClr val="accent1"/>
-            </a:effectRef>
-            <a:fontRef idx="minor">
-              <a:schemeClr val="tx1"/>
-            </a:fontRef>
-          </p:style>
-        </p:cxnSp>
-        <p:sp>
-          <p:nvSpPr>
-            <p:cNvPr id="43" name="TextBox 42"/>
-            <p:cNvSpPr txBox="1"/>
-            <p:nvPr/>
-          </p:nvSpPr>
-          <p:spPr>
-            <a:xfrm>
-              <a:off x="4220723" y="3694060"/>
-              <a:ext cx="1453832" cy="338554"/>
-            </a:xfrm>
-            <a:prstGeom prst="rect">
-              <a:avLst/>
-            </a:prstGeom>
-            <a:noFill/>
-          </p:spPr>
-          <p:txBody>
-            <a:bodyPr wrap="square" rtlCol="0">
-              <a:spAutoFit/>
-            </a:bodyPr>
-            <a:lstStyle/>
-            <a:p>
-              <a:r>
-                <a:rPr lang="en-US" sz="1600" dirty="0" smtClean="0"/>
-                <a:t>Accessories</a:t>
-              </a:r>
-              <a:endParaRPr lang="en-US" sz="1600" dirty="0"/>
-            </a:p>
-          </p:txBody>
-        </p:sp>
-        <p:sp>
-          <p:nvSpPr>
-            <p:cNvPr id="44" name="TextBox 43"/>
-            <p:cNvSpPr txBox="1"/>
-            <p:nvPr/>
-          </p:nvSpPr>
-          <p:spPr>
-            <a:xfrm>
-              <a:off x="4342458" y="4139496"/>
-              <a:ext cx="1326821" cy="307777"/>
-            </a:xfrm>
-            <a:prstGeom prst="rect">
-              <a:avLst/>
-            </a:prstGeom>
-            <a:noFill/>
-            <a:ln>
-              <a:solidFill>
-                <a:schemeClr val="tx1"/>
-              </a:solidFill>
-            </a:ln>
-          </p:spPr>
-          <p:txBody>
-            <a:bodyPr wrap="square" rtlCol="0">
-              <a:spAutoFit/>
-            </a:bodyPr>
-            <a:lstStyle/>
-            <a:p>
-              <a:pPr algn="ctr"/>
-              <a:r>
-                <a:rPr lang="en-US" sz="1400" dirty="0" smtClean="0"/>
-                <a:t>Utilities</a:t>
-              </a:r>
-              <a:endParaRPr lang="en-US" sz="1400" dirty="0"/>
-            </a:p>
-          </p:txBody>
-        </p:sp>
-        <p:sp>
-          <p:nvSpPr>
-            <p:cNvPr id="50" name="TextBox 49"/>
-            <p:cNvSpPr txBox="1"/>
-            <p:nvPr/>
-          </p:nvSpPr>
-          <p:spPr>
-            <a:xfrm>
-              <a:off x="4342458" y="4684652"/>
-              <a:ext cx="1326821" cy="307777"/>
-            </a:xfrm>
-            <a:prstGeom prst="rect">
-              <a:avLst/>
-            </a:prstGeom>
-            <a:noFill/>
-            <a:ln>
-              <a:solidFill>
-                <a:schemeClr val="tx1"/>
-              </a:solidFill>
-            </a:ln>
-          </p:spPr>
-          <p:txBody>
-            <a:bodyPr wrap="square" rtlCol="0">
-              <a:spAutoFit/>
-            </a:bodyPr>
-            <a:lstStyle/>
-            <a:p>
-              <a:pPr algn="ctr"/>
-              <a:r>
-                <a:rPr lang="en-US" sz="1400" dirty="0" smtClean="0"/>
-                <a:t>Test Code</a:t>
-              </a:r>
-              <a:endParaRPr lang="en-US" sz="1400" dirty="0"/>
-            </a:p>
-          </p:txBody>
-        </p:sp>
-        <p:cxnSp>
-          <p:nvCxnSpPr>
-            <p:cNvPr id="52" name="Straight Arrow Connector 51"/>
-            <p:cNvCxnSpPr>
-              <a:stCxn id="4" idx="2"/>
-            </p:cNvCxnSpPr>
-            <p:nvPr/>
-          </p:nvCxnSpPr>
-          <p:spPr>
-            <a:xfrm flipH="1">
-              <a:off x="2963774" y="3099816"/>
-              <a:ext cx="966" cy="606748"/>
-            </a:xfrm>
-            <a:prstGeom prst="straightConnector1">
-              <a:avLst/>
-            </a:prstGeom>
-            <a:ln>
+            <a:ln w="25400">
               <a:solidFill>
                 <a:schemeClr val="tx1"/>
               </a:solidFill>
@@ -4053,6 +3393,671 @@
           </p:style>
         </p:cxnSp>
       </p:grpSp>
+      <p:sp>
+        <p:nvSpPr>
+          <p:cNvPr id="25" name="TextBox 24"/>
+          <p:cNvSpPr txBox="1"/>
+          <p:nvPr/>
+        </p:nvSpPr>
+        <p:spPr>
+          <a:xfrm>
+            <a:off x="3654707" y="3770346"/>
+            <a:ext cx="1289707" cy="338554"/>
+          </a:xfrm>
+          <a:prstGeom prst="rect">
+            <a:avLst/>
+          </a:prstGeom>
+          <a:noFill/>
+          <a:ln w="25400">
+            <a:solidFill>
+              <a:schemeClr val="tx1"/>
+            </a:solidFill>
+          </a:ln>
+        </p:spPr>
+        <p:txBody>
+          <a:bodyPr wrap="square" rtlCol="0">
+            <a:spAutoFit/>
+          </a:bodyPr>
+          <a:lstStyle/>
+          <a:p>
+            <a:r>
+              <a:rPr lang="en-US" sz="1600" dirty="0" smtClean="0"/>
+              <a:t>Backend</a:t>
+            </a:r>
+            <a:endParaRPr lang="en-US" sz="1600" dirty="0"/>
+          </a:p>
+        </p:txBody>
+      </p:sp>
+      <p:sp>
+        <p:nvSpPr>
+          <p:cNvPr id="26" name="TextBox 25"/>
+          <p:cNvSpPr txBox="1"/>
+          <p:nvPr/>
+        </p:nvSpPr>
+        <p:spPr>
+          <a:xfrm>
+            <a:off x="3736935" y="4124564"/>
+            <a:ext cx="1326821" cy="307777"/>
+          </a:xfrm>
+          <a:prstGeom prst="rect">
+            <a:avLst/>
+          </a:prstGeom>
+          <a:noFill/>
+          <a:ln w="25400">
+            <a:solidFill>
+              <a:schemeClr val="tx1"/>
+            </a:solidFill>
+          </a:ln>
+        </p:spPr>
+        <p:txBody>
+          <a:bodyPr wrap="square" rtlCol="0">
+            <a:spAutoFit/>
+          </a:bodyPr>
+          <a:lstStyle/>
+          <a:p>
+            <a:pPr algn="ctr"/>
+            <a:r>
+              <a:rPr lang="en-US" altLang="zh-CN" sz="1400" dirty="0" smtClean="0"/>
+              <a:t>B-Tree</a:t>
+            </a:r>
+            <a:endParaRPr lang="en-US" sz="1400" dirty="0"/>
+          </a:p>
+        </p:txBody>
+      </p:sp>
+      <p:sp>
+        <p:nvSpPr>
+          <p:cNvPr id="27" name="TextBox 26"/>
+          <p:cNvSpPr txBox="1"/>
+          <p:nvPr/>
+        </p:nvSpPr>
+        <p:spPr>
+          <a:xfrm>
+            <a:off x="3736935" y="4647192"/>
+            <a:ext cx="1326821" cy="307777"/>
+          </a:xfrm>
+          <a:prstGeom prst="rect">
+            <a:avLst/>
+          </a:prstGeom>
+          <a:noFill/>
+          <a:ln w="25400">
+            <a:solidFill>
+              <a:schemeClr val="tx1"/>
+            </a:solidFill>
+          </a:ln>
+        </p:spPr>
+        <p:txBody>
+          <a:bodyPr wrap="square" rtlCol="0">
+            <a:spAutoFit/>
+          </a:bodyPr>
+          <a:lstStyle/>
+          <a:p>
+            <a:pPr algn="ctr"/>
+            <a:r>
+              <a:rPr lang="en-US" altLang="zh-CN" sz="1400" dirty="0" smtClean="0"/>
+              <a:t>Pager</a:t>
+            </a:r>
+            <a:endParaRPr lang="en-US" sz="1400" dirty="0"/>
+          </a:p>
+        </p:txBody>
+      </p:sp>
+      <p:sp>
+        <p:nvSpPr>
+          <p:cNvPr id="28" name="TextBox 27"/>
+          <p:cNvSpPr txBox="1"/>
+          <p:nvPr/>
+        </p:nvSpPr>
+        <p:spPr>
+          <a:xfrm>
+            <a:off x="3736935" y="5167970"/>
+            <a:ext cx="1326821" cy="307777"/>
+          </a:xfrm>
+          <a:prstGeom prst="rect">
+            <a:avLst/>
+          </a:prstGeom>
+          <a:noFill/>
+          <a:ln w="25400">
+            <a:solidFill>
+              <a:schemeClr val="tx1"/>
+            </a:solidFill>
+          </a:ln>
+        </p:spPr>
+        <p:txBody>
+          <a:bodyPr wrap="square" rtlCol="0">
+            <a:spAutoFit/>
+          </a:bodyPr>
+          <a:lstStyle/>
+          <a:p>
+            <a:pPr algn="ctr"/>
+            <a:r>
+              <a:rPr lang="en-US" altLang="zh-CN" sz="1400" dirty="0" smtClean="0"/>
+              <a:t>OS Interface</a:t>
+            </a:r>
+            <a:endParaRPr lang="en-US" sz="1400" dirty="0"/>
+          </a:p>
+        </p:txBody>
+      </p:sp>
+      <p:cxnSp>
+        <p:nvCxnSpPr>
+          <p:cNvPr id="29" name="Straight Arrow Connector 28"/>
+          <p:cNvCxnSpPr/>
+          <p:nvPr/>
+        </p:nvCxnSpPr>
+        <p:spPr>
+          <a:xfrm>
+            <a:off x="4399382" y="4432341"/>
+            <a:ext cx="0" cy="215395"/>
+          </a:xfrm>
+          <a:prstGeom prst="straightConnector1">
+            <a:avLst/>
+          </a:prstGeom>
+          <a:ln w="25400">
+            <a:solidFill>
+              <a:schemeClr val="tx1"/>
+            </a:solidFill>
+            <a:tailEnd type="triangle"/>
+          </a:ln>
+        </p:spPr>
+        <p:style>
+          <a:lnRef idx="1">
+            <a:schemeClr val="accent1"/>
+          </a:lnRef>
+          <a:fillRef idx="0">
+            <a:schemeClr val="accent1"/>
+          </a:fillRef>
+          <a:effectRef idx="0">
+            <a:schemeClr val="accent1"/>
+          </a:effectRef>
+          <a:fontRef idx="minor">
+            <a:schemeClr val="tx1"/>
+          </a:fontRef>
+        </p:style>
+      </p:cxnSp>
+      <p:cxnSp>
+        <p:nvCxnSpPr>
+          <p:cNvPr id="30" name="Straight Arrow Connector 29"/>
+          <p:cNvCxnSpPr/>
+          <p:nvPr/>
+        </p:nvCxnSpPr>
+        <p:spPr>
+          <a:xfrm>
+            <a:off x="4399382" y="4954969"/>
+            <a:ext cx="0" cy="215395"/>
+          </a:xfrm>
+          <a:prstGeom prst="straightConnector1">
+            <a:avLst/>
+          </a:prstGeom>
+          <a:ln w="25400">
+            <a:solidFill>
+              <a:schemeClr val="tx1"/>
+            </a:solidFill>
+            <a:tailEnd type="triangle"/>
+          </a:ln>
+        </p:spPr>
+        <p:style>
+          <a:lnRef idx="1">
+            <a:schemeClr val="accent1"/>
+          </a:lnRef>
+          <a:fillRef idx="0">
+            <a:schemeClr val="accent1"/>
+          </a:fillRef>
+          <a:effectRef idx="0">
+            <a:schemeClr val="accent1"/>
+          </a:effectRef>
+          <a:fontRef idx="minor">
+            <a:schemeClr val="tx1"/>
+          </a:fontRef>
+        </p:style>
+      </p:cxnSp>
+      <p:sp>
+        <p:nvSpPr>
+          <p:cNvPr id="31" name="TextBox 30"/>
+          <p:cNvSpPr txBox="1"/>
+          <p:nvPr/>
+        </p:nvSpPr>
+        <p:spPr>
+          <a:xfrm>
+            <a:off x="5651056" y="1132340"/>
+            <a:ext cx="1453832" cy="338554"/>
+          </a:xfrm>
+          <a:prstGeom prst="rect">
+            <a:avLst/>
+          </a:prstGeom>
+          <a:noFill/>
+          <a:ln w="25400">
+            <a:solidFill>
+              <a:schemeClr val="tx1"/>
+            </a:solidFill>
+          </a:ln>
+        </p:spPr>
+        <p:txBody>
+          <a:bodyPr wrap="square" rtlCol="0">
+            <a:spAutoFit/>
+          </a:bodyPr>
+          <a:lstStyle/>
+          <a:p>
+            <a:r>
+              <a:rPr lang="en-US" sz="1600" dirty="0" smtClean="0"/>
+              <a:t>SQL Compiler</a:t>
+            </a:r>
+            <a:endParaRPr lang="en-US" sz="1600" dirty="0"/>
+          </a:p>
+        </p:txBody>
+      </p:sp>
+      <p:sp>
+        <p:nvSpPr>
+          <p:cNvPr id="32" name="TextBox 31"/>
+          <p:cNvSpPr txBox="1"/>
+          <p:nvPr/>
+        </p:nvSpPr>
+        <p:spPr>
+          <a:xfrm>
+            <a:off x="5778067" y="1557761"/>
+            <a:ext cx="1326821" cy="307777"/>
+          </a:xfrm>
+          <a:prstGeom prst="rect">
+            <a:avLst/>
+          </a:prstGeom>
+          <a:noFill/>
+          <a:ln w="25400">
+            <a:solidFill>
+              <a:schemeClr val="tx1"/>
+            </a:solidFill>
+          </a:ln>
+        </p:spPr>
+        <p:txBody>
+          <a:bodyPr wrap="square" rtlCol="0">
+            <a:spAutoFit/>
+          </a:bodyPr>
+          <a:lstStyle/>
+          <a:p>
+            <a:pPr algn="ctr"/>
+            <a:r>
+              <a:rPr lang="en-US" sz="1400" dirty="0" smtClean="0"/>
+              <a:t>Tokenizer</a:t>
+            </a:r>
+            <a:endParaRPr lang="en-US" sz="1400" dirty="0"/>
+          </a:p>
+        </p:txBody>
+      </p:sp>
+      <p:sp>
+        <p:nvSpPr>
+          <p:cNvPr id="33" name="TextBox 32"/>
+          <p:cNvSpPr txBox="1"/>
+          <p:nvPr/>
+        </p:nvSpPr>
+        <p:spPr>
+          <a:xfrm>
+            <a:off x="5778067" y="2297599"/>
+            <a:ext cx="1326821" cy="307777"/>
+          </a:xfrm>
+          <a:prstGeom prst="rect">
+            <a:avLst/>
+          </a:prstGeom>
+          <a:noFill/>
+          <a:ln w="25400">
+            <a:solidFill>
+              <a:schemeClr val="tx1"/>
+            </a:solidFill>
+          </a:ln>
+        </p:spPr>
+        <p:txBody>
+          <a:bodyPr wrap="square" rtlCol="0">
+            <a:spAutoFit/>
+          </a:bodyPr>
+          <a:lstStyle/>
+          <a:p>
+            <a:pPr algn="ctr"/>
+            <a:r>
+              <a:rPr lang="en-US" sz="1400" dirty="0" smtClean="0"/>
+              <a:t>Parser</a:t>
+            </a:r>
+            <a:endParaRPr lang="en-US" sz="1400" dirty="0"/>
+          </a:p>
+        </p:txBody>
+      </p:sp>
+      <p:sp>
+        <p:nvSpPr>
+          <p:cNvPr id="34" name="TextBox 33"/>
+          <p:cNvSpPr txBox="1"/>
+          <p:nvPr/>
+        </p:nvSpPr>
+        <p:spPr>
+          <a:xfrm>
+            <a:off x="5778067" y="3037437"/>
+            <a:ext cx="1326821" cy="523220"/>
+          </a:xfrm>
+          <a:prstGeom prst="rect">
+            <a:avLst/>
+          </a:prstGeom>
+          <a:noFill/>
+          <a:ln w="25400">
+            <a:solidFill>
+              <a:schemeClr val="tx1"/>
+            </a:solidFill>
+          </a:ln>
+        </p:spPr>
+        <p:txBody>
+          <a:bodyPr wrap="square" rtlCol="0">
+            <a:spAutoFit/>
+          </a:bodyPr>
+          <a:lstStyle/>
+          <a:p>
+            <a:pPr algn="ctr"/>
+            <a:r>
+              <a:rPr lang="en-US" altLang="zh-CN" sz="1400" dirty="0" smtClean="0"/>
+              <a:t>Code</a:t>
+            </a:r>
+          </a:p>
+          <a:p>
+            <a:pPr algn="ctr"/>
+            <a:r>
+              <a:rPr lang="en-US" altLang="zh-CN" sz="1400" dirty="0" smtClean="0"/>
+              <a:t> Generator</a:t>
+            </a:r>
+            <a:endParaRPr lang="en-US" sz="1400" dirty="0"/>
+          </a:p>
+        </p:txBody>
+      </p:sp>
+      <p:cxnSp>
+        <p:nvCxnSpPr>
+          <p:cNvPr id="36" name="Straight Arrow Connector 35"/>
+          <p:cNvCxnSpPr>
+            <a:stCxn id="32" idx="2"/>
+            <a:endCxn id="33" idx="0"/>
+          </p:cNvCxnSpPr>
+          <p:nvPr/>
+        </p:nvCxnSpPr>
+        <p:spPr>
+          <a:xfrm>
+            <a:off x="6441478" y="1865538"/>
+            <a:ext cx="0" cy="432061"/>
+          </a:xfrm>
+          <a:prstGeom prst="straightConnector1">
+            <a:avLst/>
+          </a:prstGeom>
+          <a:ln w="25400">
+            <a:solidFill>
+              <a:schemeClr val="tx1"/>
+            </a:solidFill>
+            <a:tailEnd type="triangle"/>
+          </a:ln>
+        </p:spPr>
+        <p:style>
+          <a:lnRef idx="1">
+            <a:schemeClr val="accent1"/>
+          </a:lnRef>
+          <a:fillRef idx="0">
+            <a:schemeClr val="accent1"/>
+          </a:fillRef>
+          <a:effectRef idx="0">
+            <a:schemeClr val="accent1"/>
+          </a:effectRef>
+          <a:fontRef idx="minor">
+            <a:schemeClr val="tx1"/>
+          </a:fontRef>
+        </p:style>
+      </p:cxnSp>
+      <p:cxnSp>
+        <p:nvCxnSpPr>
+          <p:cNvPr id="38" name="Straight Arrow Connector 37"/>
+          <p:cNvCxnSpPr>
+            <a:stCxn id="33" idx="2"/>
+            <a:endCxn id="34" idx="0"/>
+          </p:cNvCxnSpPr>
+          <p:nvPr/>
+        </p:nvCxnSpPr>
+        <p:spPr>
+          <a:xfrm>
+            <a:off x="6441478" y="2605376"/>
+            <a:ext cx="0" cy="432061"/>
+          </a:xfrm>
+          <a:prstGeom prst="straightConnector1">
+            <a:avLst/>
+          </a:prstGeom>
+          <a:ln w="25400">
+            <a:solidFill>
+              <a:schemeClr val="tx1"/>
+            </a:solidFill>
+            <a:tailEnd type="triangle"/>
+          </a:ln>
+        </p:spPr>
+        <p:style>
+          <a:lnRef idx="1">
+            <a:schemeClr val="accent1"/>
+          </a:lnRef>
+          <a:fillRef idx="0">
+            <a:schemeClr val="accent1"/>
+          </a:fillRef>
+          <a:effectRef idx="0">
+            <a:schemeClr val="accent1"/>
+          </a:effectRef>
+          <a:fontRef idx="minor">
+            <a:schemeClr val="tx1"/>
+          </a:fontRef>
+        </p:style>
+      </p:cxnSp>
+      <p:cxnSp>
+        <p:nvCxnSpPr>
+          <p:cNvPr id="40" name="Straight Arrow Connector 39"/>
+          <p:cNvCxnSpPr>
+            <a:stCxn id="9" idx="3"/>
+          </p:cNvCxnSpPr>
+          <p:nvPr/>
+        </p:nvCxnSpPr>
+        <p:spPr>
+          <a:xfrm flipV="1">
+            <a:off x="5063757" y="1711649"/>
+            <a:ext cx="706913" cy="638038"/>
+          </a:xfrm>
+          <a:prstGeom prst="straightConnector1">
+            <a:avLst/>
+          </a:prstGeom>
+          <a:ln w="25400">
+            <a:solidFill>
+              <a:schemeClr val="tx1"/>
+            </a:solidFill>
+            <a:tailEnd type="triangle"/>
+          </a:ln>
+        </p:spPr>
+        <p:style>
+          <a:lnRef idx="1">
+            <a:schemeClr val="accent1"/>
+          </a:lnRef>
+          <a:fillRef idx="0">
+            <a:schemeClr val="accent1"/>
+          </a:fillRef>
+          <a:effectRef idx="0">
+            <a:schemeClr val="accent1"/>
+          </a:effectRef>
+          <a:fontRef idx="minor">
+            <a:schemeClr val="tx1"/>
+          </a:fontRef>
+        </p:style>
+      </p:cxnSp>
+      <p:cxnSp>
+        <p:nvCxnSpPr>
+          <p:cNvPr id="42" name="Straight Arrow Connector 41"/>
+          <p:cNvCxnSpPr>
+            <a:stCxn id="34" idx="1"/>
+            <a:endCxn id="9" idx="3"/>
+          </p:cNvCxnSpPr>
+          <p:nvPr/>
+        </p:nvCxnSpPr>
+        <p:spPr>
+          <a:xfrm flipH="1" flipV="1">
+            <a:off x="5063757" y="2349687"/>
+            <a:ext cx="714310" cy="949360"/>
+          </a:xfrm>
+          <a:prstGeom prst="straightConnector1">
+            <a:avLst/>
+          </a:prstGeom>
+          <a:ln w="25400">
+            <a:solidFill>
+              <a:schemeClr val="tx1"/>
+            </a:solidFill>
+            <a:tailEnd type="triangle"/>
+          </a:ln>
+        </p:spPr>
+        <p:style>
+          <a:lnRef idx="1">
+            <a:schemeClr val="accent1"/>
+          </a:lnRef>
+          <a:fillRef idx="0">
+            <a:schemeClr val="accent1"/>
+          </a:fillRef>
+          <a:effectRef idx="0">
+            <a:schemeClr val="accent1"/>
+          </a:effectRef>
+          <a:fontRef idx="minor">
+            <a:schemeClr val="tx1"/>
+          </a:fontRef>
+        </p:style>
+      </p:cxnSp>
+      <p:sp>
+        <p:nvSpPr>
+          <p:cNvPr id="43" name="TextBox 42"/>
+          <p:cNvSpPr txBox="1"/>
+          <p:nvPr/>
+        </p:nvSpPr>
+        <p:spPr>
+          <a:xfrm>
+            <a:off x="5656331" y="4096396"/>
+            <a:ext cx="1453832" cy="338554"/>
+          </a:xfrm>
+          <a:prstGeom prst="rect">
+            <a:avLst/>
+          </a:prstGeom>
+          <a:noFill/>
+          <a:ln w="25400">
+            <a:solidFill>
+              <a:schemeClr val="tx1"/>
+            </a:solidFill>
+          </a:ln>
+        </p:spPr>
+        <p:txBody>
+          <a:bodyPr wrap="square" rtlCol="0">
+            <a:spAutoFit/>
+          </a:bodyPr>
+          <a:lstStyle/>
+          <a:p>
+            <a:r>
+              <a:rPr lang="en-US" sz="1600" dirty="0" smtClean="0"/>
+              <a:t>Accessories</a:t>
+            </a:r>
+            <a:endParaRPr lang="en-US" sz="1600" dirty="0"/>
+          </a:p>
+        </p:txBody>
+      </p:sp>
+      <p:sp>
+        <p:nvSpPr>
+          <p:cNvPr id="44" name="TextBox 43"/>
+          <p:cNvSpPr txBox="1"/>
+          <p:nvPr/>
+        </p:nvSpPr>
+        <p:spPr>
+          <a:xfrm>
+            <a:off x="5778066" y="4541832"/>
+            <a:ext cx="1326821" cy="307777"/>
+          </a:xfrm>
+          <a:prstGeom prst="rect">
+            <a:avLst/>
+          </a:prstGeom>
+          <a:noFill/>
+          <a:ln w="25400">
+            <a:solidFill>
+              <a:schemeClr val="tx1"/>
+            </a:solidFill>
+          </a:ln>
+        </p:spPr>
+        <p:txBody>
+          <a:bodyPr wrap="square" rtlCol="0">
+            <a:spAutoFit/>
+          </a:bodyPr>
+          <a:lstStyle/>
+          <a:p>
+            <a:pPr algn="ctr"/>
+            <a:r>
+              <a:rPr lang="en-US" sz="1400" dirty="0" smtClean="0"/>
+              <a:t>Utilities</a:t>
+            </a:r>
+            <a:endParaRPr lang="en-US" sz="1400" dirty="0"/>
+          </a:p>
+        </p:txBody>
+      </p:sp>
+      <p:sp>
+        <p:nvSpPr>
+          <p:cNvPr id="50" name="TextBox 49"/>
+          <p:cNvSpPr txBox="1"/>
+          <p:nvPr/>
+        </p:nvSpPr>
+        <p:spPr>
+          <a:xfrm>
+            <a:off x="5778066" y="5086988"/>
+            <a:ext cx="1326821" cy="307777"/>
+          </a:xfrm>
+          <a:prstGeom prst="rect">
+            <a:avLst/>
+          </a:prstGeom>
+          <a:noFill/>
+          <a:ln w="25400">
+            <a:solidFill>
+              <a:schemeClr val="tx1"/>
+            </a:solidFill>
+          </a:ln>
+        </p:spPr>
+        <p:txBody>
+          <a:bodyPr wrap="square" rtlCol="0">
+            <a:spAutoFit/>
+          </a:bodyPr>
+          <a:lstStyle/>
+          <a:p>
+            <a:pPr algn="ctr"/>
+            <a:r>
+              <a:rPr lang="en-US" sz="1400" dirty="0" smtClean="0"/>
+              <a:t>Test Code</a:t>
+            </a:r>
+            <a:endParaRPr lang="en-US" sz="1400" dirty="0"/>
+          </a:p>
+        </p:txBody>
+      </p:sp>
+      <p:cxnSp>
+        <p:nvCxnSpPr>
+          <p:cNvPr id="52" name="Straight Arrow Connector 51"/>
+          <p:cNvCxnSpPr>
+            <a:stCxn id="4" idx="2"/>
+          </p:cNvCxnSpPr>
+          <p:nvPr/>
+        </p:nvCxnSpPr>
+        <p:spPr>
+          <a:xfrm flipH="1">
+            <a:off x="4399382" y="3502152"/>
+            <a:ext cx="966" cy="606748"/>
+          </a:xfrm>
+          <a:prstGeom prst="straightConnector1">
+            <a:avLst/>
+          </a:prstGeom>
+          <a:ln w="25400">
+            <a:solidFill>
+              <a:schemeClr val="tx1"/>
+            </a:solidFill>
+            <a:tailEnd type="triangle"/>
+          </a:ln>
+        </p:spPr>
+        <p:style>
+          <a:lnRef idx="1">
+            <a:schemeClr val="accent1"/>
+          </a:lnRef>
+          <a:fillRef idx="0">
+            <a:schemeClr val="accent1"/>
+          </a:fillRef>
+          <a:effectRef idx="0">
+            <a:schemeClr val="accent1"/>
+          </a:effectRef>
+          <a:fontRef idx="minor">
+            <a:schemeClr val="tx1"/>
+          </a:fontRef>
+        </p:style>
+      </p:cxnSp>
     </p:spTree>
     <p:extLst>
       <p:ext uri="{BB962C8B-B14F-4D97-AF65-F5344CB8AC3E}">
@@ -4090,421 +4095,16 @@
           <a:chExt cx="0" cy="0"/>
         </a:xfrm>
       </p:grpSpPr>
-      <p:grpSp>
-        <p:nvGrpSpPr>
-          <p:cNvPr id="2" name="Group 1"/>
-          <p:cNvGrpSpPr/>
+      <p:sp>
+        <p:nvSpPr>
+          <p:cNvPr id="4" name="Rectangle 3"/>
+          <p:cNvSpPr/>
           <p:nvPr/>
-        </p:nvGrpSpPr>
-        <p:grpSpPr>
-          <a:xfrm>
-            <a:off x="4337685" y="1282160"/>
-            <a:ext cx="2867406" cy="3902488"/>
-            <a:chOff x="3020949" y="1245584"/>
-            <a:chExt cx="2867406" cy="3902488"/>
-          </a:xfrm>
-        </p:grpSpPr>
-        <p:sp>
-          <p:nvSpPr>
-            <p:cNvPr id="4" name="Rectangle 3"/>
-            <p:cNvSpPr/>
-            <p:nvPr/>
-          </p:nvSpPr>
-          <p:spPr>
-            <a:xfrm>
-              <a:off x="3282696" y="1682496"/>
-              <a:ext cx="274320" cy="3465576"/>
-            </a:xfrm>
-            <a:prstGeom prst="rect">
-              <a:avLst/>
-            </a:prstGeom>
-            <a:solidFill>
-              <a:schemeClr val="bg1"/>
-            </a:solidFill>
-            <a:ln>
-              <a:solidFill>
-                <a:schemeClr val="tx1"/>
-              </a:solidFill>
-            </a:ln>
-          </p:spPr>
-          <p:style>
-            <a:lnRef idx="2">
-              <a:schemeClr val="accent1">
-                <a:shade val="50000"/>
-              </a:schemeClr>
-            </a:lnRef>
-            <a:fillRef idx="1">
-              <a:schemeClr val="accent1"/>
-            </a:fillRef>
-            <a:effectRef idx="0">
-              <a:schemeClr val="accent1"/>
-            </a:effectRef>
-            <a:fontRef idx="minor">
-              <a:schemeClr val="lt1"/>
-            </a:fontRef>
-          </p:style>
-          <p:txBody>
-            <a:bodyPr rtlCol="0" anchor="ctr"/>
-            <a:lstStyle/>
-            <a:p>
-              <a:pPr algn="ctr"/>
-              <a:endParaRPr lang="en-US"/>
-            </a:p>
-          </p:txBody>
-        </p:sp>
-        <p:sp>
-          <p:nvSpPr>
-            <p:cNvPr id="5" name="Rectangle 4"/>
-            <p:cNvSpPr/>
-            <p:nvPr/>
-          </p:nvSpPr>
-          <p:spPr>
-            <a:xfrm>
-              <a:off x="5346192" y="1682496"/>
-              <a:ext cx="274320" cy="3465576"/>
-            </a:xfrm>
-            <a:prstGeom prst="rect">
-              <a:avLst/>
-            </a:prstGeom>
-            <a:solidFill>
-              <a:schemeClr val="bg1"/>
-            </a:solidFill>
-            <a:ln>
-              <a:solidFill>
-                <a:schemeClr val="tx1"/>
-              </a:solidFill>
-            </a:ln>
-          </p:spPr>
-          <p:style>
-            <a:lnRef idx="2">
-              <a:schemeClr val="accent1">
-                <a:shade val="50000"/>
-              </a:schemeClr>
-            </a:lnRef>
-            <a:fillRef idx="1">
-              <a:schemeClr val="accent1"/>
-            </a:fillRef>
-            <a:effectRef idx="0">
-              <a:schemeClr val="accent1"/>
-            </a:effectRef>
-            <a:fontRef idx="minor">
-              <a:schemeClr val="lt1"/>
-            </a:fontRef>
-          </p:style>
-          <p:txBody>
-            <a:bodyPr rtlCol="0" anchor="ctr"/>
-            <a:lstStyle/>
-            <a:p>
-              <a:pPr algn="ctr"/>
-              <a:endParaRPr lang="en-US"/>
-            </a:p>
-          </p:txBody>
-        </p:sp>
-        <p:sp>
-          <p:nvSpPr>
-            <p:cNvPr id="6" name="TextBox 5"/>
-            <p:cNvSpPr txBox="1"/>
-            <p:nvPr/>
-          </p:nvSpPr>
-          <p:spPr>
-            <a:xfrm>
-              <a:off x="3020949" y="1245584"/>
-              <a:ext cx="797814" cy="338554"/>
-            </a:xfrm>
-            <a:prstGeom prst="rect">
-              <a:avLst/>
-            </a:prstGeom>
-            <a:noFill/>
-          </p:spPr>
-          <p:txBody>
-            <a:bodyPr wrap="square" rtlCol="0">
-              <a:spAutoFit/>
-            </a:bodyPr>
-            <a:lstStyle/>
-            <a:p>
-              <a:r>
-                <a:rPr lang="zh-CN" altLang="en-US" sz="1600" dirty="0"/>
-                <a:t>浏览器</a:t>
-              </a:r>
-              <a:endParaRPr lang="en-US" sz="1600" dirty="0"/>
-            </a:p>
-          </p:txBody>
-        </p:sp>
-        <p:sp>
-          <p:nvSpPr>
-            <p:cNvPr id="7" name="TextBox 6"/>
-            <p:cNvSpPr txBox="1"/>
-            <p:nvPr/>
-          </p:nvSpPr>
-          <p:spPr>
-            <a:xfrm>
-              <a:off x="5078349" y="1245584"/>
-              <a:ext cx="810006" cy="338554"/>
-            </a:xfrm>
-            <a:prstGeom prst="rect">
-              <a:avLst/>
-            </a:prstGeom>
-            <a:noFill/>
-          </p:spPr>
-          <p:txBody>
-            <a:bodyPr wrap="square" rtlCol="0">
-              <a:spAutoFit/>
-            </a:bodyPr>
-            <a:lstStyle/>
-            <a:p>
-              <a:r>
-                <a:rPr lang="zh-CN" altLang="en-US" sz="1600" dirty="0"/>
-                <a:t>服务器</a:t>
-              </a:r>
-              <a:endParaRPr lang="en-US" sz="1600" dirty="0"/>
-            </a:p>
-          </p:txBody>
-        </p:sp>
-        <p:cxnSp>
-          <p:nvCxnSpPr>
-            <p:cNvPr id="9" name="Straight Arrow Connector 8"/>
-            <p:cNvCxnSpPr/>
-            <p:nvPr/>
-          </p:nvCxnSpPr>
-          <p:spPr>
-            <a:xfrm>
-              <a:off x="3621024" y="1911096"/>
-              <a:ext cx="1645920" cy="594360"/>
-            </a:xfrm>
-            <a:prstGeom prst="straightConnector1">
-              <a:avLst/>
-            </a:prstGeom>
-            <a:ln>
-              <a:solidFill>
-                <a:schemeClr val="tx1"/>
-              </a:solidFill>
-              <a:tailEnd type="triangle"/>
-            </a:ln>
-          </p:spPr>
-          <p:style>
-            <a:lnRef idx="1">
-              <a:schemeClr val="accent1"/>
-            </a:lnRef>
-            <a:fillRef idx="0">
-              <a:schemeClr val="accent1"/>
-            </a:fillRef>
-            <a:effectRef idx="0">
-              <a:schemeClr val="accent1"/>
-            </a:effectRef>
-            <a:fontRef idx="minor">
-              <a:schemeClr val="tx1"/>
-            </a:fontRef>
-          </p:style>
-        </p:cxnSp>
-        <p:cxnSp>
-          <p:nvCxnSpPr>
-            <p:cNvPr id="11" name="Straight Arrow Connector 10"/>
-            <p:cNvCxnSpPr/>
-            <p:nvPr/>
-          </p:nvCxnSpPr>
-          <p:spPr>
-            <a:xfrm flipH="1">
-              <a:off x="3628644" y="2706624"/>
-              <a:ext cx="1574292" cy="914400"/>
-            </a:xfrm>
-            <a:prstGeom prst="straightConnector1">
-              <a:avLst/>
-            </a:prstGeom>
-            <a:ln>
-              <a:solidFill>
-                <a:schemeClr val="tx1"/>
-              </a:solidFill>
-              <a:tailEnd type="triangle"/>
-            </a:ln>
-          </p:spPr>
-          <p:style>
-            <a:lnRef idx="1">
-              <a:schemeClr val="accent1"/>
-            </a:lnRef>
-            <a:fillRef idx="0">
-              <a:schemeClr val="accent1"/>
-            </a:fillRef>
-            <a:effectRef idx="0">
-              <a:schemeClr val="accent1"/>
-            </a:effectRef>
-            <a:fontRef idx="minor">
-              <a:schemeClr val="tx1"/>
-            </a:fontRef>
-          </p:style>
-        </p:cxnSp>
-        <p:sp>
-          <p:nvSpPr>
-            <p:cNvPr id="12" name="TextBox 11"/>
-            <p:cNvSpPr txBox="1"/>
-            <p:nvPr/>
-          </p:nvSpPr>
-          <p:spPr>
-            <a:xfrm rot="1209622">
-              <a:off x="3925850" y="1920321"/>
-              <a:ext cx="1278127" cy="307777"/>
-            </a:xfrm>
-            <a:prstGeom prst="rect">
-              <a:avLst/>
-            </a:prstGeom>
-            <a:noFill/>
-          </p:spPr>
-          <p:txBody>
-            <a:bodyPr wrap="square" rtlCol="0">
-              <a:spAutoFit/>
-            </a:bodyPr>
-            <a:lstStyle/>
-            <a:p>
-              <a:r>
-                <a:rPr lang="zh-CN" altLang="en-US" sz="1400" dirty="0" smtClean="0"/>
-                <a:t>发送连线请求</a:t>
-              </a:r>
-              <a:endParaRPr lang="en-US" sz="1400" dirty="0"/>
-            </a:p>
-          </p:txBody>
-        </p:sp>
-        <p:sp>
-          <p:nvSpPr>
-            <p:cNvPr id="14" name="TextBox 13"/>
-            <p:cNvSpPr txBox="1"/>
-            <p:nvPr/>
-          </p:nvSpPr>
-          <p:spPr>
-            <a:xfrm rot="19816047">
-              <a:off x="3666075" y="2845317"/>
-              <a:ext cx="1452241" cy="307777"/>
-            </a:xfrm>
-            <a:prstGeom prst="rect">
-              <a:avLst/>
-            </a:prstGeom>
-            <a:noFill/>
-          </p:spPr>
-          <p:txBody>
-            <a:bodyPr wrap="square" rtlCol="0">
-              <a:spAutoFit/>
-            </a:bodyPr>
-            <a:lstStyle/>
-            <a:p>
-              <a:r>
-                <a:rPr lang="zh-CN" altLang="en-US" sz="1400" dirty="0" smtClean="0"/>
-                <a:t>服务器相应请求</a:t>
-              </a:r>
-              <a:endParaRPr lang="en-US" sz="1400" dirty="0"/>
-            </a:p>
-          </p:txBody>
-        </p:sp>
-        <p:cxnSp>
-          <p:nvCxnSpPr>
-            <p:cNvPr id="16" name="Straight Arrow Connector 15"/>
-            <p:cNvCxnSpPr/>
-            <p:nvPr/>
-          </p:nvCxnSpPr>
-          <p:spPr>
-            <a:xfrm>
-              <a:off x="3621024" y="4279392"/>
-              <a:ext cx="1028797" cy="0"/>
-            </a:xfrm>
-            <a:prstGeom prst="straightConnector1">
-              <a:avLst/>
-            </a:prstGeom>
-            <a:ln>
-              <a:solidFill>
-                <a:schemeClr val="tx1"/>
-              </a:solidFill>
-              <a:tailEnd type="triangle"/>
-            </a:ln>
-          </p:spPr>
-          <p:style>
-            <a:lnRef idx="1">
-              <a:schemeClr val="accent1"/>
-            </a:lnRef>
-            <a:fillRef idx="0">
-              <a:schemeClr val="accent1"/>
-            </a:fillRef>
-            <a:effectRef idx="0">
-              <a:schemeClr val="accent1"/>
-            </a:effectRef>
-            <a:fontRef idx="minor">
-              <a:schemeClr val="tx1"/>
-            </a:fontRef>
-          </p:style>
-        </p:cxnSp>
-        <p:cxnSp>
-          <p:nvCxnSpPr>
-            <p:cNvPr id="27" name="Straight Arrow Connector 26"/>
-            <p:cNvCxnSpPr/>
-            <p:nvPr/>
-          </p:nvCxnSpPr>
-          <p:spPr>
-            <a:xfrm flipH="1">
-              <a:off x="4085617" y="4688737"/>
-              <a:ext cx="1117319" cy="0"/>
-            </a:xfrm>
-            <a:prstGeom prst="straightConnector1">
-              <a:avLst/>
-            </a:prstGeom>
-            <a:ln>
-              <a:solidFill>
-                <a:schemeClr val="tx1"/>
-              </a:solidFill>
-              <a:tailEnd type="triangle"/>
-            </a:ln>
-          </p:spPr>
-          <p:style>
-            <a:lnRef idx="1">
-              <a:schemeClr val="accent1"/>
-            </a:lnRef>
-            <a:fillRef idx="0">
-              <a:schemeClr val="accent1"/>
-            </a:fillRef>
-            <a:effectRef idx="0">
-              <a:schemeClr val="accent1"/>
-            </a:effectRef>
-            <a:fontRef idx="minor">
-              <a:schemeClr val="tx1"/>
-            </a:fontRef>
-          </p:style>
-        </p:cxnSp>
-        <p:sp>
-          <p:nvSpPr>
-            <p:cNvPr id="28" name="TextBox 27"/>
-            <p:cNvSpPr txBox="1"/>
-            <p:nvPr/>
-          </p:nvSpPr>
-          <p:spPr>
-            <a:xfrm>
-              <a:off x="4068065" y="4337763"/>
-              <a:ext cx="1278127" cy="307777"/>
-            </a:xfrm>
-            <a:prstGeom prst="rect">
-              <a:avLst/>
-            </a:prstGeom>
-            <a:noFill/>
-          </p:spPr>
-          <p:txBody>
-            <a:bodyPr wrap="square" rtlCol="0">
-              <a:spAutoFit/>
-            </a:bodyPr>
-            <a:lstStyle/>
-            <a:p>
-              <a:r>
-                <a:rPr lang="zh-CN" altLang="en-US" sz="1400" dirty="0" smtClean="0"/>
-                <a:t>数据交互</a:t>
-              </a:r>
-              <a:endParaRPr lang="en-US" sz="1400" dirty="0"/>
-            </a:p>
-          </p:txBody>
-        </p:sp>
-      </p:grpSp>
-      <p:sp>
-        <p:nvSpPr>
-          <p:cNvPr id="8" name="TextBox 7"/>
-          <p:cNvSpPr txBox="1"/>
-          <p:nvPr/>
-        </p:nvSpPr>
-        <p:spPr>
-          <a:xfrm>
-            <a:off x="2052537" y="1746072"/>
-            <a:ext cx="2246160" cy="1569660"/>
+        </p:nvSpPr>
+        <p:spPr>
+          <a:xfrm>
+            <a:off x="4599432" y="1719072"/>
+            <a:ext cx="274320" cy="3465576"/>
           </a:xfrm>
           <a:prstGeom prst="rect">
             <a:avLst/>
@@ -4512,146 +4112,47 @@
           <a:solidFill>
             <a:schemeClr val="bg1"/>
           </a:solidFill>
-          <a:ln>
+          <a:ln w="25400">
             <a:solidFill>
               <a:schemeClr val="tx1"/>
             </a:solidFill>
           </a:ln>
         </p:spPr>
-        <p:txBody>
-          <a:bodyPr wrap="square" rtlCol="0">
-            <a:spAutoFit/>
-          </a:bodyPr>
-          <a:lstStyle/>
-          <a:p>
-            <a:r>
-              <a:rPr lang="en-US" altLang="zh-CN" sz="1200" dirty="0" smtClean="0"/>
-              <a:t>Get </a:t>
-            </a:r>
-            <a:r>
-              <a:rPr lang="en-US" altLang="zh-CN" sz="1200" dirty="0" err="1" smtClean="0"/>
-              <a:t>webfin</a:t>
-            </a:r>
-            <a:r>
-              <a:rPr lang="en-US" altLang="zh-CN" sz="1200" dirty="0" smtClean="0"/>
-              <a:t>/</a:t>
-            </a:r>
-            <a:r>
-              <a:rPr lang="en-US" altLang="zh-CN" sz="1200" dirty="0" err="1" smtClean="0"/>
-              <a:t>websocket</a:t>
-            </a:r>
-            <a:r>
-              <a:rPr lang="en-US" altLang="zh-CN" sz="1200" dirty="0" smtClean="0"/>
-              <a:t>/ HTTP1.1 </a:t>
-            </a:r>
-            <a:endParaRPr lang="en-US" sz="1200" dirty="0" smtClean="0"/>
-          </a:p>
-          <a:p>
-            <a:r>
-              <a:rPr lang="en-US" sz="1200" dirty="0" smtClean="0"/>
-              <a:t>Host</a:t>
-            </a:r>
-            <a:r>
-              <a:rPr lang="en-US" sz="1200" dirty="0"/>
-              <a:t>: localhost</a:t>
-            </a:r>
-            <a:br>
-              <a:rPr lang="en-US" sz="1200" dirty="0"/>
-            </a:br>
-            <a:r>
-              <a:rPr lang="en-US" sz="1200" dirty="0" smtClean="0"/>
-              <a:t>Upgrade</a:t>
-            </a:r>
-            <a:r>
-              <a:rPr lang="en-US" sz="1200" dirty="0"/>
-              <a:t>: </a:t>
-            </a:r>
-            <a:r>
-              <a:rPr lang="en-US" sz="1200" dirty="0" err="1"/>
-              <a:t>websocket</a:t>
-            </a:r>
-            <a:endParaRPr lang="en-US" sz="1200" dirty="0"/>
-          </a:p>
-          <a:p>
-            <a:r>
-              <a:rPr lang="en-US" sz="1200" dirty="0"/>
-              <a:t>Connection: Upgrade</a:t>
-            </a:r>
-            <a:br>
-              <a:rPr lang="en-US" sz="1200" dirty="0"/>
-            </a:br>
-            <a:r>
-              <a:rPr lang="en-US" sz="1200" dirty="0" smtClean="0"/>
-              <a:t>Sec-</a:t>
-            </a:r>
-            <a:r>
-              <a:rPr lang="en-US" sz="1200" dirty="0" err="1" smtClean="0"/>
-              <a:t>WebSocket</a:t>
-            </a:r>
-            <a:r>
-              <a:rPr lang="en-US" sz="1200" dirty="0" smtClean="0"/>
-              <a:t>-Key</a:t>
-            </a:r>
-            <a:r>
-              <a:rPr lang="en-US" sz="1200" dirty="0"/>
-              <a:t>: xqBt3ImNzJbYqRINxEFlkg==</a:t>
-            </a:r>
-            <a:br>
-              <a:rPr lang="en-US" sz="1200" dirty="0"/>
-            </a:br>
-            <a:r>
-              <a:rPr lang="en-US" sz="1200" dirty="0" smtClean="0"/>
-              <a:t>Origin</a:t>
-            </a:r>
-            <a:r>
-              <a:rPr lang="en-US" sz="1200" dirty="0"/>
-              <a:t>: </a:t>
-            </a:r>
-            <a:r>
-              <a:rPr lang="en-US" sz="1200" dirty="0" smtClean="0"/>
-              <a:t>http:10.131.1.63</a:t>
-            </a:r>
-            <a:r>
-              <a:rPr lang="zh-CN" altLang="en-US" sz="1200" dirty="0"/>
-              <a:t/>
-            </a:r>
-            <a:br>
-              <a:rPr lang="zh-CN" altLang="en-US" sz="1200" dirty="0"/>
-            </a:br>
-            <a:r>
-              <a:rPr lang="en-US" sz="1200" dirty="0" smtClean="0"/>
-              <a:t>Sec-</a:t>
-            </a:r>
-            <a:r>
-              <a:rPr lang="en-US" sz="1200" dirty="0" err="1" smtClean="0"/>
-              <a:t>WebSocket</a:t>
-            </a:r>
-            <a:r>
-              <a:rPr lang="en-US" sz="1200" dirty="0" smtClean="0"/>
-              <a:t>-Version</a:t>
-            </a:r>
-            <a:r>
-              <a:rPr lang="en-US" sz="1200" dirty="0"/>
-              <a:t>: </a:t>
-            </a:r>
-            <a:r>
-              <a:rPr lang="en-US" sz="1200" dirty="0" smtClean="0"/>
-              <a:t>13</a:t>
-            </a:r>
-            <a:endParaRPr lang="en-US" sz="1200" dirty="0"/>
-          </a:p>
-        </p:txBody>
-      </p:sp>
-      <p:sp>
-        <p:nvSpPr>
-          <p:cNvPr id="18" name="TextBox 17"/>
-          <p:cNvSpPr txBox="1"/>
+        <p:style>
+          <a:lnRef idx="2">
+            <a:schemeClr val="accent1">
+              <a:shade val="50000"/>
+            </a:schemeClr>
+          </a:lnRef>
+          <a:fillRef idx="1">
+            <a:schemeClr val="accent1"/>
+          </a:fillRef>
+          <a:effectRef idx="0">
+            <a:schemeClr val="accent1"/>
+          </a:effectRef>
+          <a:fontRef idx="minor">
+            <a:schemeClr val="lt1"/>
+          </a:fontRef>
+        </p:style>
+        <p:txBody>
+          <a:bodyPr rtlCol="0" anchor="ctr"/>
+          <a:lstStyle/>
+          <a:p>
+            <a:pPr algn="ctr"/>
+            <a:endParaRPr lang="en-US" b="1" dirty="0"/>
+          </a:p>
+        </p:txBody>
+      </p:sp>
+      <p:sp>
+        <p:nvSpPr>
+          <p:cNvPr id="5" name="Rectangle 4"/>
+          <p:cNvSpPr/>
           <p:nvPr/>
         </p:nvSpPr>
         <p:spPr>
           <a:xfrm>
-            <a:off x="7303049" y="2944028"/>
-            <a:ext cx="2512159" cy="1015663"/>
+            <a:off x="6662928" y="1719072"/>
+            <a:ext cx="274320" cy="3465576"/>
           </a:xfrm>
           <a:prstGeom prst="rect">
             <a:avLst/>
@@ -4659,12 +4160,53 @@
           <a:solidFill>
             <a:schemeClr val="bg1"/>
           </a:solidFill>
-          <a:ln>
+          <a:ln w="25400">
             <a:solidFill>
               <a:schemeClr val="tx1"/>
             </a:solidFill>
           </a:ln>
         </p:spPr>
+        <p:style>
+          <a:lnRef idx="2">
+            <a:schemeClr val="accent1">
+              <a:shade val="50000"/>
+            </a:schemeClr>
+          </a:lnRef>
+          <a:fillRef idx="1">
+            <a:schemeClr val="accent1"/>
+          </a:fillRef>
+          <a:effectRef idx="0">
+            <a:schemeClr val="accent1"/>
+          </a:effectRef>
+          <a:fontRef idx="minor">
+            <a:schemeClr val="lt1"/>
+          </a:fontRef>
+        </p:style>
+        <p:txBody>
+          <a:bodyPr rtlCol="0" anchor="ctr"/>
+          <a:lstStyle/>
+          <a:p>
+            <a:pPr algn="ctr"/>
+            <a:endParaRPr lang="en-US"/>
+          </a:p>
+        </p:txBody>
+      </p:sp>
+      <p:sp>
+        <p:nvSpPr>
+          <p:cNvPr id="6" name="TextBox 5"/>
+          <p:cNvSpPr txBox="1"/>
+          <p:nvPr/>
+        </p:nvSpPr>
+        <p:spPr>
+          <a:xfrm>
+            <a:off x="4337685" y="1282160"/>
+            <a:ext cx="797814" cy="307777"/>
+          </a:xfrm>
+          <a:prstGeom prst="rect">
+            <a:avLst/>
+          </a:prstGeom>
+          <a:noFill/>
+        </p:spPr>
         <p:txBody>
           <a:bodyPr wrap="square" rtlCol="0">
             <a:spAutoFit/>
@@ -4672,56 +4214,513 @@
           <a:lstStyle/>
           <a:p>
             <a:r>
-              <a:rPr lang="en-US" sz="1200" dirty="0"/>
+              <a:rPr lang="zh-CN" altLang="en-US" sz="1400" b="1" dirty="0"/>
+              <a:t>浏览器</a:t>
+            </a:r>
+            <a:endParaRPr lang="en-US" sz="1400" b="1" dirty="0"/>
+          </a:p>
+        </p:txBody>
+      </p:sp>
+      <p:sp>
+        <p:nvSpPr>
+          <p:cNvPr id="7" name="TextBox 6"/>
+          <p:cNvSpPr txBox="1"/>
+          <p:nvPr/>
+        </p:nvSpPr>
+        <p:spPr>
+          <a:xfrm>
+            <a:off x="6395085" y="1282160"/>
+            <a:ext cx="810006" cy="307777"/>
+          </a:xfrm>
+          <a:prstGeom prst="rect">
+            <a:avLst/>
+          </a:prstGeom>
+          <a:noFill/>
+        </p:spPr>
+        <p:txBody>
+          <a:bodyPr wrap="square" rtlCol="0">
+            <a:spAutoFit/>
+          </a:bodyPr>
+          <a:lstStyle/>
+          <a:p>
+            <a:r>
+              <a:rPr lang="zh-CN" altLang="en-US" sz="1400" b="1" dirty="0"/>
+              <a:t>服务器</a:t>
+            </a:r>
+            <a:endParaRPr lang="en-US" sz="1400" b="1" dirty="0"/>
+          </a:p>
+        </p:txBody>
+      </p:sp>
+      <p:cxnSp>
+        <p:nvCxnSpPr>
+          <p:cNvPr id="9" name="Straight Arrow Connector 8"/>
+          <p:cNvCxnSpPr/>
+          <p:nvPr/>
+        </p:nvCxnSpPr>
+        <p:spPr>
+          <a:xfrm>
+            <a:off x="4937760" y="1947672"/>
+            <a:ext cx="1645920" cy="594360"/>
+          </a:xfrm>
+          <a:prstGeom prst="straightConnector1">
+            <a:avLst/>
+          </a:prstGeom>
+          <a:ln w="25400">
+            <a:solidFill>
+              <a:schemeClr val="tx1"/>
+            </a:solidFill>
+            <a:tailEnd type="triangle"/>
+          </a:ln>
+        </p:spPr>
+        <p:style>
+          <a:lnRef idx="1">
+            <a:schemeClr val="accent1"/>
+          </a:lnRef>
+          <a:fillRef idx="0">
+            <a:schemeClr val="accent1"/>
+          </a:fillRef>
+          <a:effectRef idx="0">
+            <a:schemeClr val="accent1"/>
+          </a:effectRef>
+          <a:fontRef idx="minor">
+            <a:schemeClr val="tx1"/>
+          </a:fontRef>
+        </p:style>
+      </p:cxnSp>
+      <p:cxnSp>
+        <p:nvCxnSpPr>
+          <p:cNvPr id="11" name="Straight Arrow Connector 10"/>
+          <p:cNvCxnSpPr/>
+          <p:nvPr/>
+        </p:nvCxnSpPr>
+        <p:spPr>
+          <a:xfrm flipH="1">
+            <a:off x="4945380" y="2743200"/>
+            <a:ext cx="1574292" cy="914400"/>
+          </a:xfrm>
+          <a:prstGeom prst="straightConnector1">
+            <a:avLst/>
+          </a:prstGeom>
+          <a:ln w="25400">
+            <a:solidFill>
+              <a:schemeClr val="tx1"/>
+            </a:solidFill>
+            <a:tailEnd type="triangle"/>
+          </a:ln>
+        </p:spPr>
+        <p:style>
+          <a:lnRef idx="1">
+            <a:schemeClr val="accent1"/>
+          </a:lnRef>
+          <a:fillRef idx="0">
+            <a:schemeClr val="accent1"/>
+          </a:fillRef>
+          <a:effectRef idx="0">
+            <a:schemeClr val="accent1"/>
+          </a:effectRef>
+          <a:fontRef idx="minor">
+            <a:schemeClr val="tx1"/>
+          </a:fontRef>
+        </p:style>
+      </p:cxnSp>
+      <p:sp>
+        <p:nvSpPr>
+          <p:cNvPr id="12" name="TextBox 11"/>
+          <p:cNvSpPr txBox="1"/>
+          <p:nvPr/>
+        </p:nvSpPr>
+        <p:spPr>
+          <a:xfrm rot="1209622">
+            <a:off x="5242586" y="1956897"/>
+            <a:ext cx="1278127" cy="307777"/>
+          </a:xfrm>
+          <a:prstGeom prst="rect">
+            <a:avLst/>
+          </a:prstGeom>
+          <a:noFill/>
+          <a:ln w="25400">
+            <a:noFill/>
+          </a:ln>
+        </p:spPr>
+        <p:txBody>
+          <a:bodyPr wrap="square" rtlCol="0">
+            <a:spAutoFit/>
+          </a:bodyPr>
+          <a:lstStyle/>
+          <a:p>
+            <a:r>
+              <a:rPr lang="zh-CN" altLang="en-US" sz="1400" b="1" dirty="0" smtClean="0"/>
+              <a:t>发送连线请求</a:t>
+            </a:r>
+            <a:endParaRPr lang="en-US" sz="1400" b="1" dirty="0"/>
+          </a:p>
+        </p:txBody>
+      </p:sp>
+      <p:sp>
+        <p:nvSpPr>
+          <p:cNvPr id="14" name="TextBox 13"/>
+          <p:cNvSpPr txBox="1"/>
+          <p:nvPr/>
+        </p:nvSpPr>
+        <p:spPr>
+          <a:xfrm rot="19816047">
+            <a:off x="4982811" y="2881893"/>
+            <a:ext cx="1452241" cy="307777"/>
+          </a:xfrm>
+          <a:prstGeom prst="rect">
+            <a:avLst/>
+          </a:prstGeom>
+          <a:noFill/>
+          <a:ln w="25400">
+            <a:noFill/>
+          </a:ln>
+        </p:spPr>
+        <p:txBody>
+          <a:bodyPr wrap="square" rtlCol="0">
+            <a:spAutoFit/>
+          </a:bodyPr>
+          <a:lstStyle/>
+          <a:p>
+            <a:r>
+              <a:rPr lang="zh-CN" altLang="en-US" sz="1400" b="1" dirty="0" smtClean="0"/>
+              <a:t>服务器相应请求</a:t>
+            </a:r>
+            <a:endParaRPr lang="en-US" sz="1400" b="1" dirty="0"/>
+          </a:p>
+        </p:txBody>
+      </p:sp>
+      <p:cxnSp>
+        <p:nvCxnSpPr>
+          <p:cNvPr id="16" name="Straight Arrow Connector 15"/>
+          <p:cNvCxnSpPr/>
+          <p:nvPr/>
+        </p:nvCxnSpPr>
+        <p:spPr>
+          <a:xfrm>
+            <a:off x="4937760" y="4315968"/>
+            <a:ext cx="1028797" cy="0"/>
+          </a:xfrm>
+          <a:prstGeom prst="straightConnector1">
+            <a:avLst/>
+          </a:prstGeom>
+          <a:ln w="25400">
+            <a:solidFill>
+              <a:schemeClr val="tx1"/>
+            </a:solidFill>
+            <a:tailEnd type="triangle"/>
+          </a:ln>
+        </p:spPr>
+        <p:style>
+          <a:lnRef idx="1">
+            <a:schemeClr val="accent1"/>
+          </a:lnRef>
+          <a:fillRef idx="0">
+            <a:schemeClr val="accent1"/>
+          </a:fillRef>
+          <a:effectRef idx="0">
+            <a:schemeClr val="accent1"/>
+          </a:effectRef>
+          <a:fontRef idx="minor">
+            <a:schemeClr val="tx1"/>
+          </a:fontRef>
+        </p:style>
+      </p:cxnSp>
+      <p:cxnSp>
+        <p:nvCxnSpPr>
+          <p:cNvPr id="27" name="Straight Arrow Connector 26"/>
+          <p:cNvCxnSpPr/>
+          <p:nvPr/>
+        </p:nvCxnSpPr>
+        <p:spPr>
+          <a:xfrm flipH="1">
+            <a:off x="5402353" y="4725313"/>
+            <a:ext cx="1117319" cy="0"/>
+          </a:xfrm>
+          <a:prstGeom prst="straightConnector1">
+            <a:avLst/>
+          </a:prstGeom>
+          <a:ln w="25400">
+            <a:solidFill>
+              <a:schemeClr val="tx1"/>
+            </a:solidFill>
+            <a:tailEnd type="triangle"/>
+          </a:ln>
+        </p:spPr>
+        <p:style>
+          <a:lnRef idx="1">
+            <a:schemeClr val="accent1"/>
+          </a:lnRef>
+          <a:fillRef idx="0">
+            <a:schemeClr val="accent1"/>
+          </a:fillRef>
+          <a:effectRef idx="0">
+            <a:schemeClr val="accent1"/>
+          </a:effectRef>
+          <a:fontRef idx="minor">
+            <a:schemeClr val="tx1"/>
+          </a:fontRef>
+        </p:style>
+      </p:cxnSp>
+      <p:sp>
+        <p:nvSpPr>
+          <p:cNvPr id="28" name="TextBox 27"/>
+          <p:cNvSpPr txBox="1"/>
+          <p:nvPr/>
+        </p:nvSpPr>
+        <p:spPr>
+          <a:xfrm>
+            <a:off x="5384801" y="4374339"/>
+            <a:ext cx="1278127" cy="307777"/>
+          </a:xfrm>
+          <a:prstGeom prst="rect">
+            <a:avLst/>
+          </a:prstGeom>
+          <a:noFill/>
+          <a:ln w="25400">
+            <a:noFill/>
+          </a:ln>
+        </p:spPr>
+        <p:txBody>
+          <a:bodyPr wrap="square" rtlCol="0">
+            <a:spAutoFit/>
+          </a:bodyPr>
+          <a:lstStyle/>
+          <a:p>
+            <a:r>
+              <a:rPr lang="zh-CN" altLang="en-US" sz="1400" b="1" dirty="0" smtClean="0"/>
+              <a:t>数据交互</a:t>
+            </a:r>
+            <a:endParaRPr lang="en-US" sz="1400" b="1" dirty="0"/>
+          </a:p>
+        </p:txBody>
+      </p:sp>
+      <p:sp>
+        <p:nvSpPr>
+          <p:cNvPr id="8" name="TextBox 7"/>
+          <p:cNvSpPr txBox="1"/>
+          <p:nvPr/>
+        </p:nvSpPr>
+        <p:spPr>
+          <a:xfrm>
+            <a:off x="1900052" y="1746072"/>
+            <a:ext cx="2398645" cy="1569660"/>
+          </a:xfrm>
+          <a:prstGeom prst="rect">
+            <a:avLst/>
+          </a:prstGeom>
+          <a:solidFill>
+            <a:schemeClr val="bg1"/>
+          </a:solidFill>
+          <a:ln w="25400">
+            <a:solidFill>
+              <a:schemeClr val="tx1"/>
+            </a:solidFill>
+          </a:ln>
+        </p:spPr>
+        <p:txBody>
+          <a:bodyPr wrap="square" rtlCol="0">
+            <a:spAutoFit/>
+          </a:bodyPr>
+          <a:lstStyle/>
+          <a:p>
+            <a:r>
+              <a:rPr lang="en-US" altLang="zh-CN" sz="1200" b="1" dirty="0" smtClean="0"/>
+              <a:t>Get </a:t>
+            </a:r>
+            <a:r>
+              <a:rPr lang="en-US" altLang="zh-CN" sz="1200" b="1" dirty="0" err="1" smtClean="0"/>
+              <a:t>webfin</a:t>
+            </a:r>
+            <a:r>
+              <a:rPr lang="en-US" altLang="zh-CN" sz="1200" b="1" dirty="0" smtClean="0"/>
+              <a:t>/</a:t>
+            </a:r>
+            <a:r>
+              <a:rPr lang="en-US" altLang="zh-CN" sz="1200" b="1" dirty="0" err="1" smtClean="0"/>
+              <a:t>websocket</a:t>
+            </a:r>
+            <a:r>
+              <a:rPr lang="en-US" altLang="zh-CN" sz="1200" b="1" dirty="0" smtClean="0"/>
+              <a:t>/ HTTP1.1 </a:t>
+            </a:r>
+            <a:endParaRPr lang="en-US" sz="1200" b="1" dirty="0" smtClean="0"/>
+          </a:p>
+          <a:p>
+            <a:r>
+              <a:rPr lang="en-US" sz="1200" b="1" dirty="0" smtClean="0"/>
+              <a:t>Host</a:t>
+            </a:r>
+            <a:r>
+              <a:rPr lang="en-US" sz="1200" b="1" dirty="0"/>
+              <a:t>: localhost</a:t>
+            </a:r>
+            <a:br>
+              <a:rPr lang="en-US" sz="1200" b="1" dirty="0"/>
+            </a:br>
+            <a:r>
+              <a:rPr lang="en-US" sz="1200" b="1" dirty="0" smtClean="0"/>
+              <a:t>Upgrade</a:t>
+            </a:r>
+            <a:r>
+              <a:rPr lang="en-US" sz="1200" b="1" dirty="0"/>
+              <a:t>: </a:t>
+            </a:r>
+            <a:r>
+              <a:rPr lang="en-US" sz="1200" b="1" dirty="0" err="1"/>
+              <a:t>websocket</a:t>
+            </a:r>
+            <a:endParaRPr lang="en-US" sz="1200" b="1" dirty="0"/>
+          </a:p>
+          <a:p>
+            <a:r>
+              <a:rPr lang="en-US" sz="1200" b="1" dirty="0"/>
+              <a:t>Connection: Upgrade</a:t>
+            </a:r>
+            <a:br>
+              <a:rPr lang="en-US" sz="1200" b="1" dirty="0"/>
+            </a:br>
+            <a:r>
+              <a:rPr lang="en-US" sz="1200" b="1" dirty="0" smtClean="0"/>
+              <a:t>Sec-</a:t>
+            </a:r>
+            <a:r>
+              <a:rPr lang="en-US" sz="1200" b="1" dirty="0" err="1" smtClean="0"/>
+              <a:t>WebSocket</a:t>
+            </a:r>
+            <a:r>
+              <a:rPr lang="en-US" sz="1200" b="1" dirty="0" smtClean="0"/>
+              <a:t>-Key</a:t>
+            </a:r>
+            <a:r>
+              <a:rPr lang="en-US" sz="1200" b="1" dirty="0"/>
+              <a:t>: xqBt3ImNzJbYqRINxEFlkg==</a:t>
+            </a:r>
+            <a:br>
+              <a:rPr lang="en-US" sz="1200" b="1" dirty="0"/>
+            </a:br>
+            <a:r>
+              <a:rPr lang="en-US" sz="1200" b="1" dirty="0" smtClean="0"/>
+              <a:t>Origin</a:t>
+            </a:r>
+            <a:r>
+              <a:rPr lang="en-US" sz="1200" b="1" dirty="0"/>
+              <a:t>: </a:t>
+            </a:r>
+            <a:r>
+              <a:rPr lang="en-US" sz="1200" b="1" dirty="0" smtClean="0"/>
+              <a:t>http:10.131.1.63</a:t>
+            </a:r>
+            <a:r>
+              <a:rPr lang="zh-CN" altLang="en-US" sz="1200" b="1" dirty="0"/>
+              <a:t/>
+            </a:r>
+            <a:br>
+              <a:rPr lang="zh-CN" altLang="en-US" sz="1200" b="1" dirty="0"/>
+            </a:br>
+            <a:r>
+              <a:rPr lang="en-US" sz="1200" b="1" dirty="0" smtClean="0"/>
+              <a:t>Sec-</a:t>
+            </a:r>
+            <a:r>
+              <a:rPr lang="en-US" sz="1200" b="1" dirty="0" err="1" smtClean="0"/>
+              <a:t>WebSocket</a:t>
+            </a:r>
+            <a:r>
+              <a:rPr lang="en-US" sz="1200" b="1" dirty="0" smtClean="0"/>
+              <a:t>-Version</a:t>
+            </a:r>
+            <a:r>
+              <a:rPr lang="en-US" sz="1200" b="1" dirty="0"/>
+              <a:t>: </a:t>
+            </a:r>
+            <a:r>
+              <a:rPr lang="en-US" sz="1200" b="1" dirty="0" smtClean="0"/>
+              <a:t>13</a:t>
+            </a:r>
+            <a:endParaRPr lang="en-US" sz="1200" b="1" dirty="0"/>
+          </a:p>
+        </p:txBody>
+      </p:sp>
+      <p:sp>
+        <p:nvSpPr>
+          <p:cNvPr id="18" name="TextBox 17"/>
+          <p:cNvSpPr txBox="1"/>
+          <p:nvPr/>
+        </p:nvSpPr>
+        <p:spPr>
+          <a:xfrm>
+            <a:off x="7303049" y="2944028"/>
+            <a:ext cx="2512159" cy="1015663"/>
+          </a:xfrm>
+          <a:prstGeom prst="rect">
+            <a:avLst/>
+          </a:prstGeom>
+          <a:solidFill>
+            <a:schemeClr val="bg1"/>
+          </a:solidFill>
+          <a:ln w="25400">
+            <a:solidFill>
+              <a:schemeClr val="tx1"/>
+            </a:solidFill>
+          </a:ln>
+        </p:spPr>
+        <p:txBody>
+          <a:bodyPr wrap="square" rtlCol="0">
+            <a:spAutoFit/>
+          </a:bodyPr>
+          <a:lstStyle/>
+          <a:p>
+            <a:r>
+              <a:rPr lang="en-US" sz="1200" b="1" dirty="0"/>
               <a:t>HTTP/1.1 101 Switching Protocols</a:t>
             </a:r>
             <a:br>
-              <a:rPr lang="en-US" sz="1200" dirty="0"/>
+              <a:rPr lang="en-US" sz="1200" b="1" dirty="0"/>
             </a:br>
             <a:r>
-              <a:rPr lang="en-US" sz="1200" dirty="0" smtClean="0"/>
+              <a:rPr lang="en-US" sz="1200" b="1" dirty="0" smtClean="0"/>
               <a:t>Upgrade</a:t>
             </a:r>
             <a:r>
-              <a:rPr lang="en-US" sz="1200" dirty="0"/>
+              <a:rPr lang="en-US" sz="1200" b="1" dirty="0"/>
               <a:t>: </a:t>
             </a:r>
             <a:r>
-              <a:rPr lang="en-US" sz="1200" dirty="0" err="1"/>
+              <a:rPr lang="en-US" sz="1200" b="1" dirty="0" err="1"/>
               <a:t>websocket</a:t>
             </a:r>
             <a:r>
-              <a:rPr lang="en-US" sz="1200" dirty="0"/>
+              <a:rPr lang="en-US" sz="1200" b="1" dirty="0"/>
               <a:t/>
             </a:r>
             <a:br>
-              <a:rPr lang="en-US" sz="1200" dirty="0"/>
+              <a:rPr lang="en-US" sz="1200" b="1" dirty="0"/>
             </a:br>
             <a:r>
-              <a:rPr lang="en-US" sz="1200" dirty="0" smtClean="0"/>
+              <a:rPr lang="en-US" sz="1200" b="1" dirty="0" smtClean="0"/>
               <a:t>Connection</a:t>
             </a:r>
             <a:r>
-              <a:rPr lang="en-US" sz="1200" dirty="0"/>
+              <a:rPr lang="en-US" sz="1200" b="1" dirty="0"/>
               <a:t>: Upgrade</a:t>
             </a:r>
             <a:br>
-              <a:rPr lang="en-US" sz="1200" dirty="0"/>
+              <a:rPr lang="en-US" sz="1200" b="1" dirty="0"/>
             </a:br>
             <a:r>
-              <a:rPr lang="en-US" sz="1200" dirty="0" smtClean="0"/>
+              <a:rPr lang="en-US" sz="1200" b="1" dirty="0" smtClean="0"/>
               <a:t>Sec-</a:t>
             </a:r>
             <a:r>
-              <a:rPr lang="en-US" sz="1200" dirty="0" err="1" smtClean="0"/>
+              <a:rPr lang="en-US" sz="1200" b="1" dirty="0" err="1" smtClean="0"/>
               <a:t>WebSocket</a:t>
             </a:r>
             <a:r>
-              <a:rPr lang="en-US" sz="1200" dirty="0" smtClean="0"/>
+              <a:rPr lang="en-US" sz="1200" b="1" dirty="0" smtClean="0"/>
               <a:t>-Accept</a:t>
             </a:r>
             <a:r>
-              <a:rPr lang="en-US" sz="1200" dirty="0"/>
+              <a:rPr lang="en-US" sz="1200" b="1" dirty="0"/>
               <a:t>: K7DJLdLooIwIG/MOpvWFB3y3FE8=</a:t>
             </a:r>
           </a:p>
@@ -4781,7 +4780,7 @@
           <a:solidFill>
             <a:schemeClr val="bg1"/>
           </a:solidFill>
-          <a:ln>
+          <a:ln w="25400">
             <a:solidFill>
               <a:schemeClr val="tx1"/>
             </a:solidFill>
@@ -4829,7 +4828,7 @@
           <a:solidFill>
             <a:schemeClr val="bg1"/>
           </a:solidFill>
-          <a:ln>
+          <a:ln w="25400">
             <a:solidFill>
               <a:schemeClr val="tx1"/>
             </a:solidFill>
@@ -4877,7 +4876,7 @@
           <a:solidFill>
             <a:schemeClr val="bg1"/>
           </a:solidFill>
-          <a:ln>
+          <a:ln w="25400">
             <a:solidFill>
               <a:schemeClr val="tx1"/>
             </a:solidFill>
@@ -4925,7 +4924,7 @@
           <a:solidFill>
             <a:schemeClr val="bg1"/>
           </a:solidFill>
-          <a:ln>
+          <a:ln w="25400">
             <a:solidFill>
               <a:schemeClr val="tx1"/>
             </a:solidFill>
@@ -4973,7 +4972,7 @@
           <a:solidFill>
             <a:schemeClr val="bg1"/>
           </a:solidFill>
-          <a:ln>
+          <a:ln w="25400">
             <a:solidFill>
               <a:schemeClr val="tx1"/>
             </a:solidFill>
@@ -5018,7 +5017,7 @@
           <a:prstGeom prst="arc">
             <a:avLst/>
           </a:prstGeom>
-          <a:ln>
+          <a:ln w="25400">
             <a:solidFill>
               <a:schemeClr val="tx1"/>
             </a:solidFill>
@@ -5062,7 +5061,7 @@
           <a:prstGeom prst="arc">
             <a:avLst/>
           </a:prstGeom>
-          <a:ln>
+          <a:ln w="25400">
             <a:solidFill>
               <a:schemeClr val="tx1"/>
             </a:solidFill>
@@ -5109,7 +5108,7 @@
               <a:gd name="adj2" fmla="val 4417135"/>
             </a:avLst>
           </a:prstGeom>
-          <a:ln>
+          <a:ln w="25400">
             <a:solidFill>
               <a:schemeClr val="tx1"/>
             </a:solidFill>
@@ -5148,13 +5147,16 @@
         </p:nvSpPr>
         <p:spPr>
           <a:xfrm>
-            <a:off x="1448626" y="2814452"/>
-            <a:ext cx="1726689" cy="369332"/>
+            <a:off x="1448626" y="2841076"/>
+            <a:ext cx="1726689" cy="307777"/>
           </a:xfrm>
           <a:prstGeom prst="rect">
             <a:avLst/>
           </a:prstGeom>
           <a:noFill/>
+          <a:ln w="25400">
+            <a:noFill/>
+          </a:ln>
         </p:spPr>
         <p:txBody>
           <a:bodyPr wrap="square" rtlCol="0">
@@ -5163,14 +5165,14 @@
           <a:lstStyle/>
           <a:p>
             <a:r>
-              <a:rPr lang="en-US" altLang="zh-CN" b="1" dirty="0" smtClean="0"/>
+              <a:rPr lang="en-US" altLang="zh-CN" sz="1400" b="1" dirty="0" smtClean="0"/>
               <a:t>1. </a:t>
             </a:r>
             <a:r>
-              <a:rPr lang="zh-CN" altLang="en-US" b="1" dirty="0" smtClean="0"/>
+              <a:rPr lang="zh-CN" altLang="en-US" sz="1400" b="1" dirty="0" smtClean="0"/>
               <a:t>新加入数据</a:t>
             </a:r>
-            <a:endParaRPr lang="zh-CN" altLang="en-US" b="1" dirty="0"/>
+            <a:endParaRPr lang="zh-CN" altLang="en-US" sz="1400" b="1" dirty="0"/>
           </a:p>
         </p:txBody>
       </p:sp>
@@ -5182,13 +5184,16 @@
         </p:nvSpPr>
         <p:spPr>
           <a:xfrm>
-            <a:off x="5145570" y="1650316"/>
-            <a:ext cx="1726689" cy="369332"/>
+            <a:off x="5106390" y="1792476"/>
+            <a:ext cx="1726689" cy="307777"/>
           </a:xfrm>
           <a:prstGeom prst="rect">
             <a:avLst/>
           </a:prstGeom>
           <a:noFill/>
+          <a:ln w="25400">
+            <a:noFill/>
+          </a:ln>
         </p:spPr>
         <p:txBody>
           <a:bodyPr wrap="square" rtlCol="0">
@@ -5197,14 +5202,14 @@
           <a:lstStyle/>
           <a:p>
             <a:r>
-              <a:rPr lang="en-US" altLang="zh-CN" b="1" dirty="0" smtClean="0"/>
+              <a:rPr lang="en-US" altLang="zh-CN" sz="1400" b="1" dirty="0" smtClean="0"/>
               <a:t>2. </a:t>
             </a:r>
             <a:r>
-              <a:rPr lang="zh-CN" altLang="en-US" b="1" dirty="0" smtClean="0"/>
+              <a:rPr lang="zh-CN" altLang="en-US" sz="1400" b="1" dirty="0" smtClean="0"/>
               <a:t>被访问数据</a:t>
             </a:r>
-            <a:endParaRPr lang="zh-CN" altLang="en-US" b="1" dirty="0"/>
+            <a:endParaRPr lang="zh-CN" altLang="en-US" sz="1400" b="1" dirty="0"/>
           </a:p>
         </p:txBody>
       </p:sp>
@@ -5216,13 +5221,16 @@
         </p:nvSpPr>
         <p:spPr>
           <a:xfrm>
-            <a:off x="8841222" y="2836336"/>
-            <a:ext cx="1726689" cy="369332"/>
+            <a:off x="8687259" y="2892623"/>
+            <a:ext cx="1726689" cy="307777"/>
           </a:xfrm>
           <a:prstGeom prst="rect">
             <a:avLst/>
           </a:prstGeom>
           <a:noFill/>
+          <a:ln w="25400">
+            <a:noFill/>
+          </a:ln>
         </p:spPr>
         <p:txBody>
           <a:bodyPr wrap="square" rtlCol="0">
@@ -5231,18 +5239,18 @@
           <a:lstStyle/>
           <a:p>
             <a:r>
-              <a:rPr lang="en-US" altLang="zh-CN" b="1" dirty="0"/>
+              <a:rPr lang="en-US" altLang="zh-CN" sz="1400" b="1" dirty="0"/>
               <a:t>3</a:t>
             </a:r>
             <a:r>
-              <a:rPr lang="en-US" altLang="zh-CN" b="1" dirty="0" smtClean="0"/>
+              <a:rPr lang="en-US" altLang="zh-CN" sz="1400" b="1" dirty="0" smtClean="0"/>
               <a:t>. </a:t>
             </a:r>
             <a:r>
-              <a:rPr lang="zh-CN" altLang="en-US" b="1" dirty="0" smtClean="0"/>
+              <a:rPr lang="zh-CN" altLang="en-US" sz="1400" b="1" dirty="0" smtClean="0"/>
               <a:t>淘汰数据</a:t>
             </a:r>
-            <a:endParaRPr lang="zh-CN" altLang="en-US" b="1" dirty="0"/>
+            <a:endParaRPr lang="zh-CN" altLang="en-US" sz="1400" b="1" dirty="0"/>
           </a:p>
         </p:txBody>
       </p:sp>
